--- a/Slides_Part2_AlgorithmAnalysis.pptx
+++ b/Slides_Part2_AlgorithmAnalysis.pptx
@@ -128,6 +128,11 @@
       </a:defRPr>
     </a:lvl9pPr>
   </p:defaultTextStyle>
+  <p:extLst>
+    <p:ext uri="{EFAFB233-063F-42B5-8137-9DF3F51BA10A}">
+      <p15:sldGuideLst xmlns:p15="http://schemas.microsoft.com/office/powerpoint/2012/main"/>
+    </p:ext>
+  </p:extLst>
 </p:presentation>
 </file>
 
@@ -213,7 +218,7 @@
           <a:p>
             <a:fld id="{A22B3354-F359-42AF-AAEB-B7A3133DAF05}" type="datetimeFigureOut">
               <a:rPr lang="en-US" smtClean="0"/>
-              <a:t>3/1/2021</a:t>
+              <a:t>5/27/2023</a:t>
             </a:fld>
             <a:endParaRPr lang="en-US"/>
           </a:p>
@@ -2915,7 +2920,7 @@
           <a:p>
             <a:fld id="{44084D0F-AB08-4DD6-9E2A-D9AB46AB7455}" type="datetimeFigureOut">
               <a:rPr lang="en-US" smtClean="0"/>
-              <a:t>3/1/2021</a:t>
+              <a:t>5/27/2023</a:t>
             </a:fld>
             <a:endParaRPr lang="en-US"/>
           </a:p>
@@ -3113,7 +3118,7 @@
           <a:p>
             <a:fld id="{44084D0F-AB08-4DD6-9E2A-D9AB46AB7455}" type="datetimeFigureOut">
               <a:rPr lang="en-US" smtClean="0"/>
-              <a:t>3/1/2021</a:t>
+              <a:t>5/27/2023</a:t>
             </a:fld>
             <a:endParaRPr lang="en-US"/>
           </a:p>
@@ -3321,7 +3326,7 @@
           <a:p>
             <a:fld id="{44084D0F-AB08-4DD6-9E2A-D9AB46AB7455}" type="datetimeFigureOut">
               <a:rPr lang="en-US" smtClean="0"/>
-              <a:t>3/1/2021</a:t>
+              <a:t>5/27/2023</a:t>
             </a:fld>
             <a:endParaRPr lang="en-US"/>
           </a:p>
@@ -3878,7 +3883,7 @@
           <a:p>
             <a:fld id="{44084D0F-AB08-4DD6-9E2A-D9AB46AB7455}" type="datetimeFigureOut">
               <a:rPr lang="en-US" smtClean="0"/>
-              <a:t>3/1/2021</a:t>
+              <a:t>5/27/2023</a:t>
             </a:fld>
             <a:endParaRPr lang="en-US"/>
           </a:p>
@@ -4153,7 +4158,7 @@
           <a:p>
             <a:fld id="{44084D0F-AB08-4DD6-9E2A-D9AB46AB7455}" type="datetimeFigureOut">
               <a:rPr lang="en-US" smtClean="0"/>
-              <a:t>3/1/2021</a:t>
+              <a:t>5/27/2023</a:t>
             </a:fld>
             <a:endParaRPr lang="en-US"/>
           </a:p>
@@ -4418,7 +4423,7 @@
           <a:p>
             <a:fld id="{44084D0F-AB08-4DD6-9E2A-D9AB46AB7455}" type="datetimeFigureOut">
               <a:rPr lang="en-US" smtClean="0"/>
-              <a:t>3/1/2021</a:t>
+              <a:t>5/27/2023</a:t>
             </a:fld>
             <a:endParaRPr lang="en-US"/>
           </a:p>
@@ -4830,7 +4835,7 @@
           <a:p>
             <a:fld id="{44084D0F-AB08-4DD6-9E2A-D9AB46AB7455}" type="datetimeFigureOut">
               <a:rPr lang="en-US" smtClean="0"/>
-              <a:t>3/1/2021</a:t>
+              <a:t>5/27/2023</a:t>
             </a:fld>
             <a:endParaRPr lang="en-US"/>
           </a:p>
@@ -4971,7 +4976,7 @@
           <a:p>
             <a:fld id="{44084D0F-AB08-4DD6-9E2A-D9AB46AB7455}" type="datetimeFigureOut">
               <a:rPr lang="en-US" smtClean="0"/>
-              <a:t>3/1/2021</a:t>
+              <a:t>5/27/2023</a:t>
             </a:fld>
             <a:endParaRPr lang="en-US"/>
           </a:p>
@@ -5084,7 +5089,7 @@
           <a:p>
             <a:fld id="{44084D0F-AB08-4DD6-9E2A-D9AB46AB7455}" type="datetimeFigureOut">
               <a:rPr lang="en-US" smtClean="0"/>
-              <a:t>3/1/2021</a:t>
+              <a:t>5/27/2023</a:t>
             </a:fld>
             <a:endParaRPr lang="en-US"/>
           </a:p>
@@ -5395,7 +5400,7 @@
           <a:p>
             <a:fld id="{44084D0F-AB08-4DD6-9E2A-D9AB46AB7455}" type="datetimeFigureOut">
               <a:rPr lang="en-US" smtClean="0"/>
-              <a:t>3/1/2021</a:t>
+              <a:t>5/27/2023</a:t>
             </a:fld>
             <a:endParaRPr lang="en-US"/>
           </a:p>
@@ -5683,7 +5688,7 @@
           <a:p>
             <a:fld id="{44084D0F-AB08-4DD6-9E2A-D9AB46AB7455}" type="datetimeFigureOut">
               <a:rPr lang="en-US" smtClean="0"/>
-              <a:t>3/1/2021</a:t>
+              <a:t>5/27/2023</a:t>
             </a:fld>
             <a:endParaRPr lang="en-US"/>
           </a:p>
@@ -5924,7 +5929,7 @@
           <a:p>
             <a:fld id="{44084D0F-AB08-4DD6-9E2A-D9AB46AB7455}" type="datetimeFigureOut">
               <a:rPr lang="en-US" smtClean="0"/>
-              <a:t>3/1/2021</a:t>
+              <a:t>5/27/2023</a:t>
             </a:fld>
             <a:endParaRPr lang="en-US"/>
           </a:p>
@@ -7292,8 +7297,8 @@
         </p:nvSpPr>
         <p:spPr>
           <a:xfrm>
-            <a:off x="2204667" y="2886367"/>
-            <a:ext cx="573200" cy="450400"/>
+            <a:off x="2105637" y="2886367"/>
+            <a:ext cx="672230" cy="450400"/>
           </a:xfrm>
           <a:prstGeom prst="rect">
             <a:avLst/>
@@ -7318,10 +7323,10 @@
           <a:p>
             <a:pPr algn="ctr"/>
             <a:r>
-              <a:rPr lang="it" sz="2400"/>
+              <a:rPr lang="it" sz="2400" dirty="0"/>
               <a:t>(0)</a:t>
             </a:r>
-            <a:endParaRPr sz="2400"/>
+            <a:endParaRPr sz="2400" dirty="0"/>
           </a:p>
         </p:txBody>
       </p:sp>
@@ -7333,8 +7338,8 @@
         </p:nvSpPr>
         <p:spPr>
           <a:xfrm>
-            <a:off x="5966933" y="1762433"/>
-            <a:ext cx="573200" cy="450400"/>
+            <a:off x="5855516" y="1762433"/>
+            <a:ext cx="684617" cy="450400"/>
           </a:xfrm>
           <a:prstGeom prst="rect">
             <a:avLst/>
@@ -7359,10 +7364,10 @@
           <a:p>
             <a:pPr algn="ctr"/>
             <a:r>
-              <a:rPr lang="it" sz="2400" strike="sngStrike"/>
+              <a:rPr lang="it" sz="2400" strike="sngStrike" dirty="0"/>
               <a:t>(9)</a:t>
             </a:r>
-            <a:endParaRPr sz="2400" strike="sngStrike"/>
+            <a:endParaRPr sz="2400" strike="sngStrike" dirty="0"/>
           </a:p>
         </p:txBody>
       </p:sp>
@@ -7374,8 +7379,8 @@
         </p:nvSpPr>
         <p:spPr>
           <a:xfrm>
-            <a:off x="3824933" y="1762433"/>
-            <a:ext cx="573200" cy="450400"/>
+            <a:off x="3741490" y="1762433"/>
+            <a:ext cx="656643" cy="450400"/>
           </a:xfrm>
           <a:prstGeom prst="rect">
             <a:avLst/>
@@ -7400,10 +7405,10 @@
           <a:p>
             <a:pPr algn="ctr"/>
             <a:r>
-              <a:rPr lang="it" sz="2400"/>
+              <a:rPr lang="it" sz="2400" dirty="0"/>
               <a:t>(2)</a:t>
             </a:r>
-            <a:endParaRPr sz="2400"/>
+            <a:endParaRPr sz="2400" dirty="0"/>
           </a:p>
         </p:txBody>
       </p:sp>
@@ -7415,8 +7420,8 @@
         </p:nvSpPr>
         <p:spPr>
           <a:xfrm>
-            <a:off x="7586867" y="2886367"/>
-            <a:ext cx="573200" cy="450400"/>
+            <a:off x="7424256" y="2886367"/>
+            <a:ext cx="788565" cy="450400"/>
           </a:xfrm>
           <a:prstGeom prst="rect">
             <a:avLst/>
@@ -7441,11 +7446,11 @@
           <a:p>
             <a:pPr algn="ctr"/>
             <a:r>
-              <a:rPr lang="it" sz="2400" strike="sngStrike"/>
+              <a:rPr lang="it" sz="2400" strike="sngStrike" dirty="0"/>
               <a:t>(</a:t>
             </a:r>
             <a:r>
-              <a:rPr lang="it" sz="2400" strike="sngStrike">
+              <a:rPr lang="it" sz="2400" strike="sngStrike" dirty="0">
                 <a:solidFill>
                   <a:schemeClr val="dk1"/>
                 </a:solidFill>
@@ -7453,10 +7458,10 @@
               <a:t>∞</a:t>
             </a:r>
             <a:r>
-              <a:rPr lang="it" sz="2400" strike="sngStrike"/>
+              <a:rPr lang="it" sz="2400" strike="sngStrike" dirty="0"/>
               <a:t>)</a:t>
             </a:r>
-            <a:endParaRPr sz="2400" strike="sngStrike"/>
+            <a:endParaRPr sz="2400" strike="sngStrike" dirty="0"/>
           </a:p>
         </p:txBody>
       </p:sp>
@@ -7876,7 +7881,7 @@
                   <a:schemeClr val="dk1"/>
                 </a:solidFill>
               </a:rPr>
-              <a:t>            6    +    2     = 8		             8 &lt; 9</a:t>
+              <a:t>            6    +    2     = 8		             	               8 &lt; 9</a:t>
             </a:r>
             <a:endParaRPr sz="1600" dirty="0">
               <a:solidFill>
@@ -7996,7 +8001,7 @@
                   <a:schemeClr val="dk1"/>
                 </a:solidFill>
               </a:rPr>
-              <a:t>             6   +    5     = 11		             11 &lt; ∞</a:t>
+              <a:t>             6   +    5     = 11		             	               11 &lt; ∞</a:t>
             </a:r>
             <a:endParaRPr sz="1600" dirty="0">
               <a:solidFill>
@@ -8125,8 +8130,8 @@
         </p:nvSpPr>
         <p:spPr>
           <a:xfrm>
-            <a:off x="3824933" y="5204767"/>
-            <a:ext cx="573200" cy="450400"/>
+            <a:off x="3741490" y="5204767"/>
+            <a:ext cx="656643" cy="450400"/>
           </a:xfrm>
           <a:prstGeom prst="rect">
             <a:avLst/>
@@ -8151,10 +8156,10 @@
           <a:p>
             <a:pPr algn="ctr"/>
             <a:r>
-              <a:rPr lang="it" sz="2400"/>
+              <a:rPr lang="it" sz="2400" dirty="0"/>
               <a:t>(3)</a:t>
             </a:r>
-            <a:endParaRPr sz="2400"/>
+            <a:endParaRPr sz="2400" dirty="0"/>
           </a:p>
         </p:txBody>
       </p:sp>
@@ -8166,8 +8171,8 @@
         </p:nvSpPr>
         <p:spPr>
           <a:xfrm>
-            <a:off x="5966900" y="5204767"/>
-            <a:ext cx="573200" cy="450400"/>
+            <a:off x="5830349" y="5204767"/>
+            <a:ext cx="709751" cy="450400"/>
           </a:xfrm>
           <a:prstGeom prst="rect">
             <a:avLst/>
@@ -8192,11 +8197,11 @@
           <a:p>
             <a:pPr algn="ctr"/>
             <a:r>
-              <a:rPr lang="it" sz="2400"/>
+              <a:rPr lang="it" sz="2400" dirty="0"/>
               <a:t>(</a:t>
             </a:r>
             <a:r>
-              <a:rPr lang="it" sz="2400">
+              <a:rPr lang="it" sz="2400" dirty="0">
                 <a:solidFill>
                   <a:schemeClr val="dk1"/>
                 </a:solidFill>
@@ -8204,10 +8209,10 @@
               <a:t>6</a:t>
             </a:r>
             <a:r>
-              <a:rPr lang="it" sz="2400"/>
+              <a:rPr lang="it" sz="2400" dirty="0"/>
               <a:t>)</a:t>
             </a:r>
-            <a:endParaRPr sz="2400"/>
+            <a:endParaRPr sz="2400" dirty="0"/>
           </a:p>
         </p:txBody>
       </p:sp>
@@ -8219,8 +8224,8 @@
         </p:nvSpPr>
         <p:spPr>
           <a:xfrm>
-            <a:off x="7533267" y="2620000"/>
-            <a:ext cx="678800" cy="450400"/>
+            <a:off x="7424257" y="2620000"/>
+            <a:ext cx="787810" cy="450400"/>
           </a:xfrm>
           <a:prstGeom prst="rect">
             <a:avLst/>
@@ -8245,11 +8250,11 @@
           <a:p>
             <a:pPr algn="ctr"/>
             <a:r>
-              <a:rPr lang="it" sz="2400"/>
+              <a:rPr lang="it" sz="2400" dirty="0"/>
               <a:t>(</a:t>
             </a:r>
             <a:r>
-              <a:rPr lang="it" sz="2400">
+              <a:rPr lang="it" sz="2400" dirty="0">
                 <a:solidFill>
                   <a:schemeClr val="dk1"/>
                 </a:solidFill>
@@ -8257,10 +8262,10 @@
               <a:t>11</a:t>
             </a:r>
             <a:r>
-              <a:rPr lang="it" sz="2400"/>
+              <a:rPr lang="it" sz="2400" dirty="0"/>
               <a:t>)</a:t>
             </a:r>
-            <a:endParaRPr sz="2400"/>
+            <a:endParaRPr sz="2400" dirty="0"/>
           </a:p>
         </p:txBody>
       </p:sp>
@@ -8272,8 +8277,8 @@
         </p:nvSpPr>
         <p:spPr>
           <a:xfrm>
-            <a:off x="5966900" y="1455200"/>
-            <a:ext cx="573200" cy="450400"/>
+            <a:off x="5838738" y="1455200"/>
+            <a:ext cx="701362" cy="450400"/>
           </a:xfrm>
           <a:prstGeom prst="rect">
             <a:avLst/>
@@ -8298,11 +8303,11 @@
           <a:p>
             <a:pPr algn="ctr"/>
             <a:r>
-              <a:rPr lang="it" sz="2400"/>
+              <a:rPr lang="it" sz="2400" dirty="0"/>
               <a:t>(</a:t>
             </a:r>
             <a:r>
-              <a:rPr lang="it" sz="2400">
+              <a:rPr lang="it" sz="2400" dirty="0">
                 <a:solidFill>
                   <a:schemeClr val="dk1"/>
                 </a:solidFill>
@@ -8310,10 +8315,10 @@
               <a:t>8</a:t>
             </a:r>
             <a:r>
-              <a:rPr lang="it" sz="2400"/>
+              <a:rPr lang="it" sz="2400" dirty="0"/>
               <a:t>)</a:t>
             </a:r>
-            <a:endParaRPr sz="2400"/>
+            <a:endParaRPr sz="2400" dirty="0"/>
           </a:p>
         </p:txBody>
       </p:sp>
@@ -9196,8 +9201,8 @@
         </p:nvSpPr>
         <p:spPr>
           <a:xfrm>
-            <a:off x="2204667" y="2886367"/>
-            <a:ext cx="573200" cy="450400"/>
+            <a:off x="2139193" y="2886367"/>
+            <a:ext cx="638674" cy="450400"/>
           </a:xfrm>
           <a:prstGeom prst="rect">
             <a:avLst/>
@@ -9222,10 +9227,10 @@
           <a:p>
             <a:pPr algn="ctr"/>
             <a:r>
-              <a:rPr lang="it" sz="2400"/>
+              <a:rPr lang="it" sz="2400" dirty="0"/>
               <a:t>(0)</a:t>
             </a:r>
-            <a:endParaRPr sz="2400"/>
+            <a:endParaRPr sz="2400" dirty="0"/>
           </a:p>
         </p:txBody>
       </p:sp>
@@ -9237,8 +9242,8 @@
         </p:nvSpPr>
         <p:spPr>
           <a:xfrm>
-            <a:off x="3824933" y="1762433"/>
-            <a:ext cx="573200" cy="450400"/>
+            <a:off x="3724712" y="1762433"/>
+            <a:ext cx="673421" cy="450400"/>
           </a:xfrm>
           <a:prstGeom prst="rect">
             <a:avLst/>
@@ -9263,10 +9268,10 @@
           <a:p>
             <a:pPr algn="ctr"/>
             <a:r>
-              <a:rPr lang="it" sz="2400"/>
+              <a:rPr lang="it" sz="2400" dirty="0"/>
               <a:t>(2)</a:t>
             </a:r>
-            <a:endParaRPr sz="2400"/>
+            <a:endParaRPr sz="2400" dirty="0"/>
           </a:p>
         </p:txBody>
       </p:sp>
@@ -9550,7 +9555,7 @@
         </p:nvSpPr>
         <p:spPr>
           <a:xfrm>
-            <a:off x="8630133" y="4045400"/>
+            <a:off x="8604966" y="3290390"/>
             <a:ext cx="3241200" cy="2623200"/>
           </a:xfrm>
           <a:prstGeom prst="rect">
@@ -9574,7 +9579,7 @@
           </a:bodyPr>
           <a:lstStyle/>
           <a:p>
-            <a:endParaRPr sz="1600">
+            <a:endParaRPr sz="1600" dirty="0">
               <a:solidFill>
                 <a:schemeClr val="dk1"/>
               </a:solidFill>
@@ -9582,21 +9587,21 @@
           </a:p>
           <a:p>
             <a:r>
-              <a:rPr lang="it" sz="1600">
+              <a:rPr lang="it" sz="1600" dirty="0">
                 <a:solidFill>
                   <a:schemeClr val="dk1"/>
                 </a:solidFill>
               </a:rPr>
               <a:t>Set-included = { A, B, C, E }</a:t>
             </a:r>
-            <a:endParaRPr sz="1600">
+            <a:endParaRPr sz="1600" dirty="0">
               <a:solidFill>
                 <a:schemeClr val="dk1"/>
               </a:solidFill>
             </a:endParaRPr>
           </a:p>
           <a:p>
-            <a:endParaRPr sz="1600">
+            <a:endParaRPr sz="1600" dirty="0">
               <a:solidFill>
                 <a:schemeClr val="dk1"/>
               </a:solidFill>
@@ -9604,7 +9609,7 @@
           </a:p>
           <a:p>
             <a:r>
-              <a:rPr lang="it" sz="1600">
+              <a:rPr lang="it" sz="1600" dirty="0">
                 <a:solidFill>
                   <a:schemeClr val="dk1"/>
                 </a:solidFill>
@@ -9612,35 +9617,35 @@
               <a:t>Shortest Path?  8 &lt; </a:t>
             </a:r>
             <a:r>
-              <a:rPr lang="it" sz="2400">
+              <a:rPr lang="it" dirty="0">
                 <a:solidFill>
                   <a:schemeClr val="dk1"/>
                 </a:solidFill>
               </a:rPr>
               <a:t>11</a:t>
             </a:r>
-            <a:endParaRPr sz="2400">
+            <a:endParaRPr dirty="0">
               <a:solidFill>
                 <a:schemeClr val="dk1"/>
               </a:solidFill>
             </a:endParaRPr>
           </a:p>
           <a:p>
-            <a:endParaRPr sz="2400">
+            <a:endParaRPr sz="2400" dirty="0">
               <a:solidFill>
                 <a:schemeClr val="dk1"/>
               </a:solidFill>
             </a:endParaRPr>
           </a:p>
           <a:p>
-            <a:endParaRPr sz="2400">
+            <a:endParaRPr sz="2400" dirty="0">
               <a:solidFill>
                 <a:schemeClr val="dk1"/>
               </a:solidFill>
             </a:endParaRPr>
           </a:p>
           <a:p>
-            <a:endParaRPr sz="2400">
+            <a:endParaRPr sz="2400" dirty="0">
               <a:solidFill>
                 <a:schemeClr val="dk1"/>
               </a:solidFill>
@@ -9648,7 +9653,7 @@
           </a:p>
           <a:p>
             <a:r>
-              <a:rPr lang="it" sz="2400">
+              <a:rPr lang="it" sz="2000" dirty="0">
                 <a:solidFill>
                   <a:schemeClr val="dk1"/>
                 </a:solidFill>
@@ -9656,91 +9661,91 @@
               <a:t>Vertex </a:t>
             </a:r>
             <a:r>
-              <a:rPr lang="it" sz="2400" b="1">
+              <a:rPr lang="it" sz="2000" b="1" dirty="0">
                 <a:solidFill>
                   <a:schemeClr val="dk1"/>
                 </a:solidFill>
               </a:rPr>
               <a:t>D</a:t>
             </a:r>
-            <a:endParaRPr sz="2400" b="1">
+            <a:endParaRPr sz="2000" b="1" dirty="0">
               <a:solidFill>
                 <a:schemeClr val="dk1"/>
               </a:solidFill>
             </a:endParaRPr>
           </a:p>
           <a:p>
-            <a:endParaRPr sz="1600">
+            <a:endParaRPr sz="1600" dirty="0">
               <a:solidFill>
                 <a:schemeClr val="dk1"/>
               </a:solidFill>
             </a:endParaRPr>
           </a:p>
           <a:p>
-            <a:endParaRPr sz="1600">
+            <a:endParaRPr sz="1600" dirty="0">
               <a:solidFill>
                 <a:schemeClr val="dk1"/>
               </a:solidFill>
             </a:endParaRPr>
           </a:p>
           <a:p>
-            <a:endParaRPr sz="1600">
+            <a:endParaRPr sz="1600" dirty="0">
               <a:solidFill>
                 <a:schemeClr val="dk1"/>
               </a:solidFill>
             </a:endParaRPr>
           </a:p>
           <a:p>
-            <a:endParaRPr sz="1600">
+            <a:endParaRPr sz="1600" dirty="0">
               <a:solidFill>
                 <a:schemeClr val="dk1"/>
               </a:solidFill>
             </a:endParaRPr>
           </a:p>
           <a:p>
-            <a:endParaRPr sz="1600">
+            <a:endParaRPr sz="1600" dirty="0">
               <a:solidFill>
                 <a:schemeClr val="dk1"/>
               </a:solidFill>
             </a:endParaRPr>
           </a:p>
           <a:p>
-            <a:endParaRPr sz="1600">
+            <a:endParaRPr sz="1600" dirty="0">
               <a:solidFill>
                 <a:schemeClr val="dk1"/>
               </a:solidFill>
             </a:endParaRPr>
           </a:p>
           <a:p>
-            <a:endParaRPr sz="1600">
+            <a:endParaRPr sz="1600" dirty="0">
               <a:solidFill>
                 <a:schemeClr val="dk1"/>
               </a:solidFill>
             </a:endParaRPr>
           </a:p>
           <a:p>
-            <a:endParaRPr sz="1600">
+            <a:endParaRPr sz="1600" dirty="0">
               <a:solidFill>
                 <a:schemeClr val="dk1"/>
               </a:solidFill>
             </a:endParaRPr>
           </a:p>
           <a:p>
-            <a:endParaRPr sz="1600">
+            <a:endParaRPr sz="1600" dirty="0">
               <a:solidFill>
                 <a:schemeClr val="dk1"/>
               </a:solidFill>
             </a:endParaRPr>
           </a:p>
           <a:p>
-            <a:endParaRPr sz="1600">
+            <a:endParaRPr sz="1600" dirty="0">
               <a:solidFill>
                 <a:schemeClr val="dk1"/>
               </a:solidFill>
             </a:endParaRPr>
           </a:p>
           <a:p>
-            <a:endParaRPr sz="2400"/>
+            <a:endParaRPr sz="2400" dirty="0"/>
           </a:p>
         </p:txBody>
       </p:sp>
@@ -9752,8 +9757,8 @@
         </p:nvSpPr>
         <p:spPr>
           <a:xfrm>
-            <a:off x="3824933" y="5204767"/>
-            <a:ext cx="573200" cy="450400"/>
+            <a:off x="3758268" y="5204767"/>
+            <a:ext cx="639865" cy="450400"/>
           </a:xfrm>
           <a:prstGeom prst="rect">
             <a:avLst/>
@@ -9778,10 +9783,10 @@
           <a:p>
             <a:pPr algn="ctr"/>
             <a:r>
-              <a:rPr lang="it" sz="2400"/>
+              <a:rPr lang="it" sz="2400" dirty="0"/>
               <a:t>(3)</a:t>
             </a:r>
-            <a:endParaRPr sz="2400"/>
+            <a:endParaRPr sz="2400" dirty="0"/>
           </a:p>
         </p:txBody>
       </p:sp>
@@ -9793,8 +9798,8 @@
         </p:nvSpPr>
         <p:spPr>
           <a:xfrm>
-            <a:off x="5966900" y="5204767"/>
-            <a:ext cx="573200" cy="450400"/>
+            <a:off x="5872294" y="5204767"/>
+            <a:ext cx="667806" cy="450400"/>
           </a:xfrm>
           <a:prstGeom prst="rect">
             <a:avLst/>
@@ -9819,11 +9824,11 @@
           <a:p>
             <a:pPr algn="ctr"/>
             <a:r>
-              <a:rPr lang="it" sz="2400"/>
+              <a:rPr lang="it" sz="2400" dirty="0"/>
               <a:t>(</a:t>
             </a:r>
             <a:r>
-              <a:rPr lang="it" sz="2400">
+              <a:rPr lang="it" sz="2400" dirty="0">
                 <a:solidFill>
                   <a:schemeClr val="dk1"/>
                 </a:solidFill>
@@ -9831,10 +9836,10 @@
               <a:t>6</a:t>
             </a:r>
             <a:r>
-              <a:rPr lang="it" sz="2400"/>
+              <a:rPr lang="it" sz="2400" dirty="0"/>
               <a:t>)</a:t>
             </a:r>
-            <a:endParaRPr sz="2400"/>
+            <a:endParaRPr sz="2400" dirty="0"/>
           </a:p>
         </p:txBody>
       </p:sp>
@@ -9846,8 +9851,8 @@
         </p:nvSpPr>
         <p:spPr>
           <a:xfrm>
-            <a:off x="7534067" y="2886367"/>
-            <a:ext cx="678800" cy="450400"/>
+            <a:off x="7441035" y="2886367"/>
+            <a:ext cx="771832" cy="450400"/>
           </a:xfrm>
           <a:prstGeom prst="rect">
             <a:avLst/>
@@ -9872,11 +9877,11 @@
           <a:p>
             <a:pPr algn="ctr"/>
             <a:r>
-              <a:rPr lang="it" sz="2400"/>
+              <a:rPr lang="it" sz="2400" dirty="0"/>
               <a:t>(</a:t>
             </a:r>
             <a:r>
-              <a:rPr lang="it" sz="2400">
+              <a:rPr lang="it" sz="2400" dirty="0">
                 <a:solidFill>
                   <a:schemeClr val="dk1"/>
                 </a:solidFill>
@@ -9884,10 +9889,10 @@
               <a:t>11</a:t>
             </a:r>
             <a:r>
-              <a:rPr lang="it" sz="2400"/>
+              <a:rPr lang="it" sz="2400" dirty="0"/>
               <a:t>)</a:t>
             </a:r>
-            <a:endParaRPr sz="2400"/>
+            <a:endParaRPr sz="2400" dirty="0"/>
           </a:p>
         </p:txBody>
       </p:sp>
@@ -9899,8 +9904,8 @@
         </p:nvSpPr>
         <p:spPr>
           <a:xfrm>
-            <a:off x="5966933" y="1792800"/>
-            <a:ext cx="573200" cy="450400"/>
+            <a:off x="5897461" y="1792800"/>
+            <a:ext cx="642672" cy="450400"/>
           </a:xfrm>
           <a:prstGeom prst="rect">
             <a:avLst/>
@@ -9925,11 +9930,11 @@
           <a:p>
             <a:pPr algn="ctr"/>
             <a:r>
-              <a:rPr lang="it" sz="2400"/>
+              <a:rPr lang="it" sz="2400" dirty="0"/>
               <a:t>(</a:t>
             </a:r>
             <a:r>
-              <a:rPr lang="it" sz="2400">
+              <a:rPr lang="it" sz="2400" dirty="0">
                 <a:solidFill>
                   <a:schemeClr val="dk1"/>
                 </a:solidFill>
@@ -9937,10 +9942,10 @@
               <a:t>8</a:t>
             </a:r>
             <a:r>
-              <a:rPr lang="it" sz="2400"/>
+              <a:rPr lang="it" sz="2400" dirty="0"/>
               <a:t>)</a:t>
             </a:r>
-            <a:endParaRPr sz="2400"/>
+            <a:endParaRPr sz="2400" dirty="0"/>
           </a:p>
         </p:txBody>
       </p:sp>
@@ -10823,8 +10828,8 @@
         </p:nvSpPr>
         <p:spPr>
           <a:xfrm>
-            <a:off x="2204667" y="2886367"/>
-            <a:ext cx="573200" cy="450400"/>
+            <a:off x="2088859" y="2886367"/>
+            <a:ext cx="689008" cy="450400"/>
           </a:xfrm>
           <a:prstGeom prst="rect">
             <a:avLst/>
@@ -10849,10 +10854,10 @@
           <a:p>
             <a:pPr algn="ctr"/>
             <a:r>
-              <a:rPr lang="it" sz="2400"/>
+              <a:rPr lang="it" sz="2400" dirty="0"/>
               <a:t>(0)</a:t>
             </a:r>
-            <a:endParaRPr sz="2400"/>
+            <a:endParaRPr sz="2400" dirty="0"/>
           </a:p>
         </p:txBody>
       </p:sp>
@@ -10864,8 +10869,8 @@
         </p:nvSpPr>
         <p:spPr>
           <a:xfrm>
-            <a:off x="3824933" y="1762433"/>
-            <a:ext cx="573200" cy="450400"/>
+            <a:off x="3783435" y="1762433"/>
+            <a:ext cx="614698" cy="450400"/>
           </a:xfrm>
           <a:prstGeom prst="rect">
             <a:avLst/>
@@ -10890,10 +10895,10 @@
           <a:p>
             <a:pPr algn="ctr"/>
             <a:r>
-              <a:rPr lang="it" sz="2400"/>
+              <a:rPr lang="it" sz="2400" dirty="0"/>
               <a:t>(2)</a:t>
             </a:r>
-            <a:endParaRPr sz="2400"/>
+            <a:endParaRPr sz="2400" dirty="0"/>
           </a:p>
         </p:txBody>
       </p:sp>
@@ -11177,7 +11182,7 @@
         </p:nvSpPr>
         <p:spPr>
           <a:xfrm>
-            <a:off x="8630133" y="4045400"/>
+            <a:off x="8604966" y="3407836"/>
             <a:ext cx="3241200" cy="2623200"/>
           </a:xfrm>
           <a:prstGeom prst="rect">
@@ -11201,7 +11206,7 @@
           </a:bodyPr>
           <a:lstStyle/>
           <a:p>
-            <a:endParaRPr sz="1600">
+            <a:endParaRPr sz="1600" dirty="0">
               <a:solidFill>
                 <a:schemeClr val="dk1"/>
               </a:solidFill>
@@ -11209,21 +11214,21 @@
           </a:p>
           <a:p>
             <a:r>
-              <a:rPr lang="it" sz="1600">
+              <a:rPr lang="it" sz="1600" dirty="0">
                 <a:solidFill>
                   <a:schemeClr val="dk1"/>
                 </a:solidFill>
               </a:rPr>
               <a:t>Set-included = { A, B, C, E }</a:t>
             </a:r>
-            <a:endParaRPr sz="1600">
+            <a:endParaRPr sz="1600" dirty="0">
               <a:solidFill>
                 <a:schemeClr val="dk1"/>
               </a:solidFill>
             </a:endParaRPr>
           </a:p>
           <a:p>
-            <a:endParaRPr sz="1600">
+            <a:endParaRPr sz="1600" dirty="0">
               <a:solidFill>
                 <a:schemeClr val="dk1"/>
               </a:solidFill>
@@ -11231,7 +11236,7 @@
           </a:p>
           <a:p>
             <a:r>
-              <a:rPr lang="it" sz="1600">
+              <a:rPr lang="it" sz="1600" dirty="0">
                 <a:solidFill>
                   <a:schemeClr val="dk1"/>
                 </a:solidFill>
@@ -11239,35 +11244,35 @@
               <a:t>Shortest Path?  8 &lt; </a:t>
             </a:r>
             <a:r>
-              <a:rPr lang="it" sz="2400">
+              <a:rPr lang="it" dirty="0">
                 <a:solidFill>
                   <a:schemeClr val="dk1"/>
                 </a:solidFill>
               </a:rPr>
               <a:t>11</a:t>
             </a:r>
-            <a:endParaRPr sz="2400">
+            <a:endParaRPr dirty="0">
               <a:solidFill>
                 <a:schemeClr val="dk1"/>
               </a:solidFill>
             </a:endParaRPr>
           </a:p>
           <a:p>
-            <a:endParaRPr sz="2400">
+            <a:endParaRPr sz="2400" dirty="0">
               <a:solidFill>
                 <a:schemeClr val="dk1"/>
               </a:solidFill>
             </a:endParaRPr>
           </a:p>
           <a:p>
-            <a:endParaRPr sz="2400">
+            <a:endParaRPr sz="2400" dirty="0">
               <a:solidFill>
                 <a:schemeClr val="dk1"/>
               </a:solidFill>
             </a:endParaRPr>
           </a:p>
           <a:p>
-            <a:endParaRPr sz="2400">
+            <a:endParaRPr sz="2400" dirty="0">
               <a:solidFill>
                 <a:schemeClr val="dk1"/>
               </a:solidFill>
@@ -11275,7 +11280,7 @@
           </a:p>
           <a:p>
             <a:r>
-              <a:rPr lang="it" sz="2400">
+              <a:rPr lang="it" sz="2000" dirty="0">
                 <a:solidFill>
                   <a:schemeClr val="dk1"/>
                 </a:solidFill>
@@ -11283,91 +11288,91 @@
               <a:t>Vertex </a:t>
             </a:r>
             <a:r>
-              <a:rPr lang="it" sz="2400" b="1">
+              <a:rPr lang="it" sz="2000" b="1" dirty="0">
                 <a:solidFill>
                   <a:schemeClr val="dk1"/>
                 </a:solidFill>
               </a:rPr>
               <a:t>D</a:t>
             </a:r>
-            <a:endParaRPr sz="2400" b="1">
+            <a:endParaRPr sz="2000" b="1" dirty="0">
               <a:solidFill>
                 <a:schemeClr val="dk1"/>
               </a:solidFill>
             </a:endParaRPr>
           </a:p>
           <a:p>
-            <a:endParaRPr sz="1600">
+            <a:endParaRPr sz="1600" dirty="0">
               <a:solidFill>
                 <a:schemeClr val="dk1"/>
               </a:solidFill>
             </a:endParaRPr>
           </a:p>
           <a:p>
-            <a:endParaRPr sz="1600">
+            <a:endParaRPr sz="1600" dirty="0">
               <a:solidFill>
                 <a:schemeClr val="dk1"/>
               </a:solidFill>
             </a:endParaRPr>
           </a:p>
           <a:p>
-            <a:endParaRPr sz="1600">
+            <a:endParaRPr sz="1600" dirty="0">
               <a:solidFill>
                 <a:schemeClr val="dk1"/>
               </a:solidFill>
             </a:endParaRPr>
           </a:p>
           <a:p>
-            <a:endParaRPr sz="1600">
+            <a:endParaRPr sz="1600" dirty="0">
               <a:solidFill>
                 <a:schemeClr val="dk1"/>
               </a:solidFill>
             </a:endParaRPr>
           </a:p>
           <a:p>
-            <a:endParaRPr sz="1600">
+            <a:endParaRPr sz="1600" dirty="0">
               <a:solidFill>
                 <a:schemeClr val="dk1"/>
               </a:solidFill>
             </a:endParaRPr>
           </a:p>
           <a:p>
-            <a:endParaRPr sz="1600">
+            <a:endParaRPr sz="1600" dirty="0">
               <a:solidFill>
                 <a:schemeClr val="dk1"/>
               </a:solidFill>
             </a:endParaRPr>
           </a:p>
           <a:p>
-            <a:endParaRPr sz="1600">
+            <a:endParaRPr sz="1600" dirty="0">
               <a:solidFill>
                 <a:schemeClr val="dk1"/>
               </a:solidFill>
             </a:endParaRPr>
           </a:p>
           <a:p>
-            <a:endParaRPr sz="1600">
+            <a:endParaRPr sz="1600" dirty="0">
               <a:solidFill>
                 <a:schemeClr val="dk1"/>
               </a:solidFill>
             </a:endParaRPr>
           </a:p>
           <a:p>
-            <a:endParaRPr sz="1600">
+            <a:endParaRPr sz="1600" dirty="0">
               <a:solidFill>
                 <a:schemeClr val="dk1"/>
               </a:solidFill>
             </a:endParaRPr>
           </a:p>
           <a:p>
-            <a:endParaRPr sz="1600">
+            <a:endParaRPr sz="1600" dirty="0">
               <a:solidFill>
                 <a:schemeClr val="dk1"/>
               </a:solidFill>
             </a:endParaRPr>
           </a:p>
           <a:p>
-            <a:endParaRPr sz="2400"/>
+            <a:endParaRPr sz="2400" dirty="0"/>
           </a:p>
         </p:txBody>
       </p:sp>
@@ -11379,8 +11384,8 @@
         </p:nvSpPr>
         <p:spPr>
           <a:xfrm>
-            <a:off x="3824933" y="5204767"/>
-            <a:ext cx="573200" cy="450400"/>
+            <a:off x="3749879" y="5204767"/>
+            <a:ext cx="648254" cy="450400"/>
           </a:xfrm>
           <a:prstGeom prst="rect">
             <a:avLst/>
@@ -11405,10 +11410,10 @@
           <a:p>
             <a:pPr algn="ctr"/>
             <a:r>
-              <a:rPr lang="it" sz="2400"/>
+              <a:rPr lang="it" sz="2400" dirty="0"/>
               <a:t>(3)</a:t>
             </a:r>
-            <a:endParaRPr sz="2400"/>
+            <a:endParaRPr sz="2400" dirty="0"/>
           </a:p>
         </p:txBody>
       </p:sp>
@@ -11420,8 +11425,8 @@
         </p:nvSpPr>
         <p:spPr>
           <a:xfrm>
-            <a:off x="5966900" y="5204767"/>
-            <a:ext cx="573200" cy="450400"/>
+            <a:off x="5889072" y="5204767"/>
+            <a:ext cx="651028" cy="450400"/>
           </a:xfrm>
           <a:prstGeom prst="rect">
             <a:avLst/>
@@ -11446,11 +11451,11 @@
           <a:p>
             <a:pPr algn="ctr"/>
             <a:r>
-              <a:rPr lang="it" sz="2400"/>
+              <a:rPr lang="it" sz="2400" dirty="0"/>
               <a:t>(</a:t>
             </a:r>
             <a:r>
-              <a:rPr lang="it" sz="2400">
+              <a:rPr lang="it" sz="2400" dirty="0">
                 <a:solidFill>
                   <a:schemeClr val="dk1"/>
                 </a:solidFill>
@@ -11458,10 +11463,10 @@
               <a:t>6</a:t>
             </a:r>
             <a:r>
-              <a:rPr lang="it" sz="2400"/>
+              <a:rPr lang="it" sz="2400" dirty="0"/>
               <a:t>)</a:t>
             </a:r>
-            <a:endParaRPr sz="2400"/>
+            <a:endParaRPr sz="2400" dirty="0"/>
           </a:p>
         </p:txBody>
       </p:sp>
@@ -11473,8 +11478,8 @@
         </p:nvSpPr>
         <p:spPr>
           <a:xfrm>
-            <a:off x="7534067" y="2886367"/>
-            <a:ext cx="678800" cy="450400"/>
+            <a:off x="7441035" y="2886367"/>
+            <a:ext cx="771832" cy="450400"/>
           </a:xfrm>
           <a:prstGeom prst="rect">
             <a:avLst/>
@@ -11499,11 +11504,11 @@
           <a:p>
             <a:pPr algn="ctr"/>
             <a:r>
-              <a:rPr lang="it" sz="2400"/>
+              <a:rPr lang="it" sz="2400" dirty="0"/>
               <a:t>(</a:t>
             </a:r>
             <a:r>
-              <a:rPr lang="it" sz="2400">
+              <a:rPr lang="it" sz="2400" dirty="0">
                 <a:solidFill>
                   <a:schemeClr val="dk1"/>
                 </a:solidFill>
@@ -11511,10 +11516,10 @@
               <a:t>11</a:t>
             </a:r>
             <a:r>
-              <a:rPr lang="it" sz="2400"/>
+              <a:rPr lang="it" sz="2400" dirty="0"/>
               <a:t>)</a:t>
             </a:r>
-            <a:endParaRPr sz="2400"/>
+            <a:endParaRPr sz="2400" dirty="0"/>
           </a:p>
         </p:txBody>
       </p:sp>
@@ -11526,8 +11531,8 @@
         </p:nvSpPr>
         <p:spPr>
           <a:xfrm>
-            <a:off x="5966933" y="1792800"/>
-            <a:ext cx="573200" cy="450400"/>
+            <a:off x="5838738" y="1792800"/>
+            <a:ext cx="701395" cy="450400"/>
           </a:xfrm>
           <a:prstGeom prst="rect">
             <a:avLst/>
@@ -11552,11 +11557,11 @@
           <a:p>
             <a:pPr algn="ctr"/>
             <a:r>
-              <a:rPr lang="it" sz="2400"/>
+              <a:rPr lang="it" sz="2400" dirty="0"/>
               <a:t>(</a:t>
             </a:r>
             <a:r>
-              <a:rPr lang="it" sz="2400">
+              <a:rPr lang="it" sz="2400" dirty="0">
                 <a:solidFill>
                   <a:schemeClr val="dk1"/>
                 </a:solidFill>
@@ -11564,10 +11569,10 @@
               <a:t>8</a:t>
             </a:r>
             <a:r>
-              <a:rPr lang="it" sz="2400"/>
+              <a:rPr lang="it" sz="2400" dirty="0"/>
               <a:t>)</a:t>
             </a:r>
-            <a:endParaRPr sz="2400"/>
+            <a:endParaRPr sz="2400" dirty="0"/>
           </a:p>
         </p:txBody>
       </p:sp>
@@ -12450,8 +12455,8 @@
         </p:nvSpPr>
         <p:spPr>
           <a:xfrm>
-            <a:off x="2204667" y="2886367"/>
-            <a:ext cx="573200" cy="450400"/>
+            <a:off x="2139193" y="2886367"/>
+            <a:ext cx="638674" cy="450400"/>
           </a:xfrm>
           <a:prstGeom prst="rect">
             <a:avLst/>
@@ -12476,10 +12481,10 @@
           <a:p>
             <a:pPr algn="ctr"/>
             <a:r>
-              <a:rPr lang="it" sz="2400"/>
+              <a:rPr lang="it" sz="2400" dirty="0"/>
               <a:t>(0)</a:t>
             </a:r>
-            <a:endParaRPr sz="2400"/>
+            <a:endParaRPr sz="2400" dirty="0"/>
           </a:p>
         </p:txBody>
       </p:sp>
@@ -12491,8 +12496,8 @@
         </p:nvSpPr>
         <p:spPr>
           <a:xfrm>
-            <a:off x="3824933" y="1762433"/>
-            <a:ext cx="573200" cy="450400"/>
+            <a:off x="3775046" y="1762433"/>
+            <a:ext cx="623087" cy="450400"/>
           </a:xfrm>
           <a:prstGeom prst="rect">
             <a:avLst/>
@@ -12517,10 +12522,10 @@
           <a:p>
             <a:pPr algn="ctr"/>
             <a:r>
-              <a:rPr lang="it" sz="2400"/>
+              <a:rPr lang="it" sz="2400" dirty="0"/>
               <a:t>(2)</a:t>
             </a:r>
-            <a:endParaRPr sz="2400"/>
+            <a:endParaRPr sz="2400" dirty="0"/>
           </a:p>
         </p:txBody>
       </p:sp>
@@ -12804,7 +12809,7 @@
         </p:nvSpPr>
         <p:spPr>
           <a:xfrm>
-            <a:off x="8630133" y="4085600"/>
+            <a:off x="8630133" y="3632594"/>
             <a:ext cx="3241200" cy="2582800"/>
           </a:xfrm>
           <a:prstGeom prst="rect">
@@ -12924,7 +12929,7 @@
                   <a:schemeClr val="dk1"/>
                 </a:solidFill>
               </a:rPr>
-              <a:t>            8    +    1     = 9		             9 &lt; 11</a:t>
+              <a:t>            8    +    1     = 9		             	               9 &lt; 11</a:t>
             </a:r>
             <a:endParaRPr sz="1600" dirty="0">
               <a:solidFill>
@@ -13046,8 +13051,8 @@
         </p:nvSpPr>
         <p:spPr>
           <a:xfrm>
-            <a:off x="3824933" y="5204767"/>
-            <a:ext cx="573200" cy="450400"/>
+            <a:off x="3808602" y="5204767"/>
+            <a:ext cx="589531" cy="450400"/>
           </a:xfrm>
           <a:prstGeom prst="rect">
             <a:avLst/>
@@ -13072,10 +13077,10 @@
           <a:p>
             <a:pPr algn="ctr"/>
             <a:r>
-              <a:rPr lang="it" sz="2400"/>
+              <a:rPr lang="it" sz="2400" dirty="0"/>
               <a:t>(3)</a:t>
             </a:r>
-            <a:endParaRPr sz="2400"/>
+            <a:endParaRPr sz="2400" dirty="0"/>
           </a:p>
         </p:txBody>
       </p:sp>
@@ -13087,8 +13092,8 @@
         </p:nvSpPr>
         <p:spPr>
           <a:xfrm>
-            <a:off x="5966900" y="5204767"/>
-            <a:ext cx="573200" cy="450400"/>
+            <a:off x="5880683" y="5204767"/>
+            <a:ext cx="771787" cy="450400"/>
           </a:xfrm>
           <a:prstGeom prst="rect">
             <a:avLst/>
@@ -13113,11 +13118,11 @@
           <a:p>
             <a:pPr algn="ctr"/>
             <a:r>
-              <a:rPr lang="it" sz="2400"/>
+              <a:rPr lang="it" sz="2400" dirty="0"/>
               <a:t>(</a:t>
             </a:r>
             <a:r>
-              <a:rPr lang="it" sz="2400">
+              <a:rPr lang="it" sz="2400" dirty="0">
                 <a:solidFill>
                   <a:schemeClr val="dk1"/>
                 </a:solidFill>
@@ -13125,10 +13130,10 @@
               <a:t>6</a:t>
             </a:r>
             <a:r>
-              <a:rPr lang="it" sz="2400"/>
+              <a:rPr lang="it" sz="2400" dirty="0"/>
               <a:t>)</a:t>
             </a:r>
-            <a:endParaRPr sz="2400"/>
+            <a:endParaRPr sz="2400" dirty="0"/>
           </a:p>
         </p:txBody>
       </p:sp>
@@ -13140,8 +13145,8 @@
         </p:nvSpPr>
         <p:spPr>
           <a:xfrm>
-            <a:off x="7534067" y="2886367"/>
-            <a:ext cx="678800" cy="450400"/>
+            <a:off x="7449424" y="2886367"/>
+            <a:ext cx="763443" cy="450400"/>
           </a:xfrm>
           <a:prstGeom prst="rect">
             <a:avLst/>
@@ -13166,11 +13171,11 @@
           <a:p>
             <a:pPr algn="ctr"/>
             <a:r>
-              <a:rPr lang="it" sz="2400" strike="sngStrike"/>
+              <a:rPr lang="it" sz="2400" strike="sngStrike" dirty="0"/>
               <a:t>(</a:t>
             </a:r>
             <a:r>
-              <a:rPr lang="it" sz="2400" strike="sngStrike">
+              <a:rPr lang="it" sz="2400" strike="sngStrike" dirty="0">
                 <a:solidFill>
                   <a:schemeClr val="dk1"/>
                 </a:solidFill>
@@ -13178,10 +13183,10 @@
               <a:t>11</a:t>
             </a:r>
             <a:r>
-              <a:rPr lang="it" sz="2400" strike="sngStrike"/>
+              <a:rPr lang="it" sz="2400" strike="sngStrike" dirty="0"/>
               <a:t>)</a:t>
             </a:r>
-            <a:endParaRPr sz="2400" strike="sngStrike"/>
+            <a:endParaRPr sz="2400" strike="sngStrike" dirty="0"/>
           </a:p>
         </p:txBody>
       </p:sp>
@@ -13193,8 +13198,8 @@
         </p:nvSpPr>
         <p:spPr>
           <a:xfrm>
-            <a:off x="5966933" y="1792800"/>
-            <a:ext cx="573200" cy="450400"/>
+            <a:off x="5880683" y="1792800"/>
+            <a:ext cx="659450" cy="450400"/>
           </a:xfrm>
           <a:prstGeom prst="rect">
             <a:avLst/>
@@ -13219,11 +13224,11 @@
           <a:p>
             <a:pPr algn="ctr"/>
             <a:r>
-              <a:rPr lang="it" sz="2400"/>
+              <a:rPr lang="it" sz="2400" dirty="0"/>
               <a:t>(</a:t>
             </a:r>
             <a:r>
-              <a:rPr lang="it" sz="2400">
+              <a:rPr lang="it" sz="2400" dirty="0">
                 <a:solidFill>
                   <a:schemeClr val="dk1"/>
                 </a:solidFill>
@@ -13231,10 +13236,10 @@
               <a:t>8</a:t>
             </a:r>
             <a:r>
-              <a:rPr lang="it" sz="2400"/>
+              <a:rPr lang="it" sz="2400" dirty="0"/>
               <a:t>)</a:t>
             </a:r>
-            <a:endParaRPr sz="2400"/>
+            <a:endParaRPr sz="2400" dirty="0"/>
           </a:p>
         </p:txBody>
       </p:sp>
@@ -13246,8 +13251,8 @@
         </p:nvSpPr>
         <p:spPr>
           <a:xfrm>
-            <a:off x="7534067" y="2603000"/>
-            <a:ext cx="678800" cy="450400"/>
+            <a:off x="7432646" y="2603000"/>
+            <a:ext cx="780221" cy="450400"/>
           </a:xfrm>
           <a:prstGeom prst="rect">
             <a:avLst/>
@@ -13272,11 +13277,11 @@
           <a:p>
             <a:pPr algn="ctr"/>
             <a:r>
-              <a:rPr lang="it" sz="2400"/>
+              <a:rPr lang="it" sz="2400" dirty="0"/>
               <a:t>(</a:t>
             </a:r>
             <a:r>
-              <a:rPr lang="it" sz="2400">
+              <a:rPr lang="it" sz="2400" dirty="0">
                 <a:solidFill>
                   <a:schemeClr val="dk1"/>
                 </a:solidFill>
@@ -13284,10 +13289,10 @@
               <a:t>9</a:t>
             </a:r>
             <a:r>
-              <a:rPr lang="it" sz="2400"/>
+              <a:rPr lang="it" sz="2400" dirty="0"/>
               <a:t>)</a:t>
             </a:r>
-            <a:endParaRPr sz="2400"/>
+            <a:endParaRPr sz="2400" dirty="0"/>
           </a:p>
         </p:txBody>
       </p:sp>
@@ -14178,8 +14183,8 @@
         </p:nvSpPr>
         <p:spPr>
           <a:xfrm>
-            <a:off x="2204667" y="2886367"/>
-            <a:ext cx="573200" cy="450400"/>
+            <a:off x="2139193" y="2886367"/>
+            <a:ext cx="638674" cy="450400"/>
           </a:xfrm>
           <a:prstGeom prst="rect">
             <a:avLst/>
@@ -14204,10 +14209,10 @@
           <a:p>
             <a:pPr algn="ctr"/>
             <a:r>
-              <a:rPr lang="it" sz="2400"/>
+              <a:rPr lang="it" sz="2400" dirty="0"/>
               <a:t>(0)</a:t>
             </a:r>
-            <a:endParaRPr sz="2400"/>
+            <a:endParaRPr sz="2400" dirty="0"/>
           </a:p>
         </p:txBody>
       </p:sp>
@@ -14219,8 +14224,8 @@
         </p:nvSpPr>
         <p:spPr>
           <a:xfrm>
-            <a:off x="3824933" y="1762433"/>
-            <a:ext cx="573200" cy="450400"/>
+            <a:off x="3749879" y="1762433"/>
+            <a:ext cx="648254" cy="450400"/>
           </a:xfrm>
           <a:prstGeom prst="rect">
             <a:avLst/>
@@ -14245,10 +14250,10 @@
           <a:p>
             <a:pPr algn="ctr"/>
             <a:r>
-              <a:rPr lang="it" sz="2400"/>
+              <a:rPr lang="it" sz="2400" dirty="0"/>
               <a:t>(2)</a:t>
             </a:r>
-            <a:endParaRPr sz="2400"/>
+            <a:endParaRPr sz="2400" dirty="0"/>
           </a:p>
         </p:txBody>
       </p:sp>
@@ -14556,56 +14561,56 @@
           </a:bodyPr>
           <a:lstStyle/>
           <a:p>
-            <a:endParaRPr sz="1600">
+            <a:endParaRPr sz="1600" dirty="0">
               <a:solidFill>
                 <a:schemeClr val="dk1"/>
               </a:solidFill>
             </a:endParaRPr>
           </a:p>
           <a:p>
-            <a:endParaRPr sz="1600">
+            <a:endParaRPr sz="1600" dirty="0">
               <a:solidFill>
                 <a:schemeClr val="dk1"/>
               </a:solidFill>
             </a:endParaRPr>
           </a:p>
           <a:p>
-            <a:endParaRPr sz="1600">
+            <a:endParaRPr sz="1600" dirty="0">
               <a:solidFill>
                 <a:schemeClr val="dk1"/>
               </a:solidFill>
             </a:endParaRPr>
           </a:p>
           <a:p>
-            <a:endParaRPr sz="1600">
+            <a:endParaRPr sz="1600" dirty="0">
               <a:solidFill>
                 <a:schemeClr val="dk1"/>
               </a:solidFill>
             </a:endParaRPr>
           </a:p>
           <a:p>
-            <a:endParaRPr sz="1600">
+            <a:endParaRPr sz="1600" dirty="0">
               <a:solidFill>
                 <a:schemeClr val="dk1"/>
               </a:solidFill>
             </a:endParaRPr>
           </a:p>
           <a:p>
-            <a:endParaRPr sz="1600">
+            <a:endParaRPr sz="1600" dirty="0">
               <a:solidFill>
                 <a:schemeClr val="dk1"/>
               </a:solidFill>
             </a:endParaRPr>
           </a:p>
           <a:p>
-            <a:endParaRPr sz="1600">
+            <a:endParaRPr sz="1600" dirty="0">
               <a:solidFill>
                 <a:schemeClr val="dk1"/>
               </a:solidFill>
             </a:endParaRPr>
           </a:p>
           <a:p>
-            <a:endParaRPr sz="1600">
+            <a:endParaRPr sz="1600" dirty="0">
               <a:solidFill>
                 <a:schemeClr val="dk1"/>
               </a:solidFill>
@@ -14613,7 +14618,7 @@
           </a:p>
           <a:p>
             <a:r>
-              <a:rPr lang="it" sz="1600">
+              <a:rPr lang="it" sz="1600" dirty="0">
                 <a:solidFill>
                   <a:schemeClr val="dk1"/>
                 </a:solidFill>
@@ -14621,7 +14626,7 @@
               <a:t>F ⇒ </a:t>
             </a:r>
             <a:r>
-              <a:rPr lang="it" sz="1600" b="1">
+              <a:rPr lang="it" sz="1600" b="1" dirty="0">
                 <a:solidFill>
                   <a:schemeClr val="dk1"/>
                 </a:solidFill>
@@ -14629,133 +14634,133 @@
               <a:t>goal</a:t>
             </a:r>
             <a:r>
-              <a:rPr lang="it" sz="1600">
+              <a:rPr lang="it" sz="1600" dirty="0">
                 <a:solidFill>
                   <a:schemeClr val="dk1"/>
                 </a:solidFill>
               </a:rPr>
               <a:t> node, last to add</a:t>
             </a:r>
-            <a:endParaRPr sz="1600">
+            <a:endParaRPr sz="1600" dirty="0">
               <a:solidFill>
                 <a:schemeClr val="dk1"/>
               </a:solidFill>
             </a:endParaRPr>
           </a:p>
           <a:p>
-            <a:endParaRPr sz="1600">
+            <a:endParaRPr sz="1600" dirty="0">
               <a:solidFill>
                 <a:schemeClr val="dk1"/>
               </a:solidFill>
             </a:endParaRPr>
           </a:p>
           <a:p>
-            <a:endParaRPr sz="1600">
+            <a:endParaRPr sz="1600" dirty="0">
               <a:solidFill>
                 <a:schemeClr val="dk1"/>
               </a:solidFill>
             </a:endParaRPr>
           </a:p>
           <a:p>
-            <a:endParaRPr sz="1600">
+            <a:endParaRPr sz="1600" dirty="0">
               <a:solidFill>
                 <a:schemeClr val="dk1"/>
               </a:solidFill>
             </a:endParaRPr>
           </a:p>
           <a:p>
-            <a:endParaRPr sz="1600">
+            <a:endParaRPr sz="1600" dirty="0">
               <a:solidFill>
                 <a:schemeClr val="dk1"/>
               </a:solidFill>
             </a:endParaRPr>
           </a:p>
           <a:p>
-            <a:endParaRPr sz="1600">
+            <a:endParaRPr sz="1600" dirty="0">
               <a:solidFill>
                 <a:schemeClr val="dk1"/>
               </a:solidFill>
             </a:endParaRPr>
           </a:p>
           <a:p>
-            <a:endParaRPr sz="1600">
+            <a:endParaRPr sz="1600" dirty="0">
               <a:solidFill>
                 <a:schemeClr val="dk1"/>
               </a:solidFill>
             </a:endParaRPr>
           </a:p>
           <a:p>
-            <a:endParaRPr sz="1600">
+            <a:endParaRPr sz="1600" dirty="0">
               <a:solidFill>
                 <a:schemeClr val="dk1"/>
               </a:solidFill>
             </a:endParaRPr>
           </a:p>
           <a:p>
-            <a:endParaRPr sz="1600">
+            <a:endParaRPr sz="1600" dirty="0">
               <a:solidFill>
                 <a:schemeClr val="dk1"/>
               </a:solidFill>
             </a:endParaRPr>
           </a:p>
           <a:p>
-            <a:endParaRPr sz="1600">
+            <a:endParaRPr sz="1600" dirty="0">
               <a:solidFill>
                 <a:schemeClr val="dk1"/>
               </a:solidFill>
             </a:endParaRPr>
           </a:p>
           <a:p>
-            <a:endParaRPr sz="1600">
+            <a:endParaRPr sz="1600" dirty="0">
               <a:solidFill>
                 <a:schemeClr val="dk1"/>
               </a:solidFill>
             </a:endParaRPr>
           </a:p>
           <a:p>
-            <a:endParaRPr sz="1600">
+            <a:endParaRPr sz="1600" dirty="0">
               <a:solidFill>
                 <a:schemeClr val="dk1"/>
               </a:solidFill>
             </a:endParaRPr>
           </a:p>
           <a:p>
-            <a:endParaRPr sz="1600">
+            <a:endParaRPr sz="1600" dirty="0">
               <a:solidFill>
                 <a:schemeClr val="dk1"/>
               </a:solidFill>
             </a:endParaRPr>
           </a:p>
           <a:p>
-            <a:endParaRPr sz="1600">
+            <a:endParaRPr sz="1600" dirty="0">
               <a:solidFill>
                 <a:schemeClr val="dk1"/>
               </a:solidFill>
             </a:endParaRPr>
           </a:p>
           <a:p>
-            <a:endParaRPr sz="1600">
+            <a:endParaRPr sz="1600" dirty="0">
               <a:solidFill>
                 <a:schemeClr val="dk1"/>
               </a:solidFill>
             </a:endParaRPr>
           </a:p>
           <a:p>
-            <a:endParaRPr sz="1600">
+            <a:endParaRPr sz="1600" dirty="0">
               <a:solidFill>
                 <a:schemeClr val="dk1"/>
               </a:solidFill>
             </a:endParaRPr>
           </a:p>
           <a:p>
-            <a:endParaRPr sz="1600">
+            <a:endParaRPr sz="1600" dirty="0">
               <a:solidFill>
                 <a:schemeClr val="dk1"/>
               </a:solidFill>
             </a:endParaRPr>
           </a:p>
           <a:p>
-            <a:endParaRPr sz="2400"/>
+            <a:endParaRPr sz="2400" dirty="0"/>
           </a:p>
         </p:txBody>
       </p:sp>
@@ -14767,8 +14772,8 @@
         </p:nvSpPr>
         <p:spPr>
           <a:xfrm>
-            <a:off x="3824933" y="5204767"/>
-            <a:ext cx="573200" cy="450400"/>
+            <a:off x="3741490" y="5204767"/>
+            <a:ext cx="656643" cy="450400"/>
           </a:xfrm>
           <a:prstGeom prst="rect">
             <a:avLst/>
@@ -14793,10 +14798,10 @@
           <a:p>
             <a:pPr algn="ctr"/>
             <a:r>
-              <a:rPr lang="it" sz="2400"/>
+              <a:rPr lang="it" sz="2400" dirty="0"/>
               <a:t>(3)</a:t>
             </a:r>
-            <a:endParaRPr sz="2400"/>
+            <a:endParaRPr sz="2400" dirty="0"/>
           </a:p>
         </p:txBody>
       </p:sp>
@@ -14808,8 +14813,8 @@
         </p:nvSpPr>
         <p:spPr>
           <a:xfrm>
-            <a:off x="5966900" y="5204767"/>
-            <a:ext cx="573200" cy="450400"/>
+            <a:off x="5914239" y="5204767"/>
+            <a:ext cx="625861" cy="450400"/>
           </a:xfrm>
           <a:prstGeom prst="rect">
             <a:avLst/>
@@ -14834,11 +14839,11 @@
           <a:p>
             <a:pPr algn="ctr"/>
             <a:r>
-              <a:rPr lang="it" sz="2400"/>
+              <a:rPr lang="it" sz="2400" dirty="0"/>
               <a:t>(</a:t>
             </a:r>
             <a:r>
-              <a:rPr lang="it" sz="2400">
+              <a:rPr lang="it" sz="2400" dirty="0">
                 <a:solidFill>
                   <a:schemeClr val="dk1"/>
                 </a:solidFill>
@@ -14846,10 +14851,10 @@
               <a:t>6</a:t>
             </a:r>
             <a:r>
-              <a:rPr lang="it" sz="2400"/>
+              <a:rPr lang="it" sz="2400" dirty="0"/>
               <a:t>)</a:t>
             </a:r>
-            <a:endParaRPr sz="2400"/>
+            <a:endParaRPr sz="2400" dirty="0"/>
           </a:p>
         </p:txBody>
       </p:sp>
@@ -14861,8 +14866,8 @@
         </p:nvSpPr>
         <p:spPr>
           <a:xfrm>
-            <a:off x="5966933" y="1792800"/>
-            <a:ext cx="573200" cy="450400"/>
+            <a:off x="5897461" y="1792800"/>
+            <a:ext cx="642672" cy="450400"/>
           </a:xfrm>
           <a:prstGeom prst="rect">
             <a:avLst/>
@@ -14887,11 +14892,11 @@
           <a:p>
             <a:pPr algn="ctr"/>
             <a:r>
-              <a:rPr lang="it" sz="2400"/>
+              <a:rPr lang="it" sz="2400" dirty="0"/>
               <a:t>(</a:t>
             </a:r>
             <a:r>
-              <a:rPr lang="it" sz="2400">
+              <a:rPr lang="it" sz="2400" dirty="0">
                 <a:solidFill>
                   <a:schemeClr val="dk1"/>
                 </a:solidFill>
@@ -14899,10 +14904,10 @@
               <a:t>8</a:t>
             </a:r>
             <a:r>
-              <a:rPr lang="it" sz="2400"/>
+              <a:rPr lang="it" sz="2400" dirty="0"/>
               <a:t>)</a:t>
             </a:r>
-            <a:endParaRPr sz="2400"/>
+            <a:endParaRPr sz="2400" dirty="0"/>
           </a:p>
         </p:txBody>
       </p:sp>
@@ -15854,8 +15859,8 @@
         </p:nvSpPr>
         <p:spPr>
           <a:xfrm>
-            <a:off x="2204667" y="2886367"/>
-            <a:ext cx="573200" cy="450400"/>
+            <a:off x="2055303" y="2886367"/>
+            <a:ext cx="722564" cy="450400"/>
           </a:xfrm>
           <a:prstGeom prst="rect">
             <a:avLst/>
@@ -15880,10 +15885,10 @@
           <a:p>
             <a:pPr algn="ctr"/>
             <a:r>
-              <a:rPr lang="it" sz="2400"/>
+              <a:rPr lang="it" sz="2400" dirty="0"/>
               <a:t>(0)</a:t>
             </a:r>
-            <a:endParaRPr sz="2400"/>
+            <a:endParaRPr sz="2400" dirty="0"/>
           </a:p>
         </p:txBody>
       </p:sp>
@@ -15895,8 +15900,8 @@
         </p:nvSpPr>
         <p:spPr>
           <a:xfrm>
-            <a:off x="3824933" y="1762433"/>
-            <a:ext cx="573200" cy="450400"/>
+            <a:off x="3741490" y="1762433"/>
+            <a:ext cx="656643" cy="450400"/>
           </a:xfrm>
           <a:prstGeom prst="rect">
             <a:avLst/>
@@ -15921,10 +15926,10 @@
           <a:p>
             <a:pPr algn="ctr"/>
             <a:r>
-              <a:rPr lang="it" sz="2400"/>
+              <a:rPr lang="it" sz="2400" dirty="0"/>
               <a:t>(2)</a:t>
             </a:r>
-            <a:endParaRPr sz="2400"/>
+            <a:endParaRPr sz="2400" dirty="0"/>
           </a:p>
         </p:txBody>
       </p:sp>
@@ -16232,98 +16237,98 @@
           </a:bodyPr>
           <a:lstStyle/>
           <a:p>
-            <a:endParaRPr sz="1600">
+            <a:endParaRPr sz="1600" dirty="0">
               <a:solidFill>
                 <a:schemeClr val="dk1"/>
               </a:solidFill>
             </a:endParaRPr>
           </a:p>
           <a:p>
-            <a:endParaRPr sz="1600">
+            <a:endParaRPr sz="1600" dirty="0">
               <a:solidFill>
                 <a:schemeClr val="dk1"/>
               </a:solidFill>
             </a:endParaRPr>
           </a:p>
           <a:p>
-            <a:endParaRPr sz="1600">
+            <a:endParaRPr sz="1600" dirty="0">
               <a:solidFill>
                 <a:schemeClr val="dk1"/>
               </a:solidFill>
             </a:endParaRPr>
           </a:p>
           <a:p>
-            <a:endParaRPr sz="1600">
+            <a:endParaRPr sz="1600" dirty="0">
               <a:solidFill>
                 <a:schemeClr val="dk1"/>
               </a:solidFill>
             </a:endParaRPr>
           </a:p>
           <a:p>
-            <a:endParaRPr sz="1600">
+            <a:endParaRPr sz="1600" dirty="0">
               <a:solidFill>
                 <a:schemeClr val="dk1"/>
               </a:solidFill>
             </a:endParaRPr>
           </a:p>
           <a:p>
-            <a:endParaRPr sz="1600">
+            <a:endParaRPr sz="1600" dirty="0">
               <a:solidFill>
                 <a:schemeClr val="dk1"/>
               </a:solidFill>
             </a:endParaRPr>
           </a:p>
           <a:p>
-            <a:endParaRPr sz="1600">
+            <a:endParaRPr sz="1600" dirty="0">
               <a:solidFill>
                 <a:schemeClr val="dk1"/>
               </a:solidFill>
             </a:endParaRPr>
           </a:p>
           <a:p>
-            <a:endParaRPr sz="1600">
+            <a:endParaRPr sz="1600" dirty="0">
               <a:solidFill>
                 <a:schemeClr val="dk1"/>
               </a:solidFill>
             </a:endParaRPr>
           </a:p>
           <a:p>
-            <a:endParaRPr sz="1600">
+            <a:endParaRPr sz="1600" dirty="0">
               <a:solidFill>
                 <a:schemeClr val="dk1"/>
               </a:solidFill>
             </a:endParaRPr>
           </a:p>
           <a:p>
-            <a:endParaRPr sz="1600">
+            <a:endParaRPr sz="1600" dirty="0">
               <a:solidFill>
                 <a:schemeClr val="dk1"/>
               </a:solidFill>
             </a:endParaRPr>
           </a:p>
           <a:p>
-            <a:endParaRPr sz="1600">
+            <a:endParaRPr sz="1600" dirty="0">
               <a:solidFill>
                 <a:schemeClr val="dk1"/>
               </a:solidFill>
             </a:endParaRPr>
           </a:p>
           <a:p>
-            <a:endParaRPr sz="1600">
+            <a:endParaRPr sz="1600" dirty="0">
               <a:solidFill>
                 <a:schemeClr val="dk1"/>
               </a:solidFill>
             </a:endParaRPr>
           </a:p>
           <a:p>
-            <a:endParaRPr sz="1600">
+            <a:endParaRPr sz="1600" dirty="0">
               <a:solidFill>
                 <a:schemeClr val="dk1"/>
               </a:solidFill>
             </a:endParaRPr>
           </a:p>
           <a:p>
-            <a:endParaRPr sz="1600">
+            <a:endParaRPr sz="1600" dirty="0">
               <a:solidFill>
                 <a:schemeClr val="dk1"/>
               </a:solidFill>
@@ -16331,28 +16336,28 @@
           </a:p>
           <a:p>
             <a:r>
-              <a:rPr lang="it" sz="1600">
+              <a:rPr lang="it" sz="1600" dirty="0">
                 <a:solidFill>
                   <a:schemeClr val="dk1"/>
                 </a:solidFill>
               </a:rPr>
               <a:t>Algorithm stops at goal node</a:t>
             </a:r>
-            <a:endParaRPr sz="1600">
+            <a:endParaRPr sz="1600" dirty="0">
               <a:solidFill>
                 <a:schemeClr val="dk1"/>
               </a:solidFill>
             </a:endParaRPr>
           </a:p>
           <a:p>
-            <a:endParaRPr sz="1600">
+            <a:endParaRPr sz="1600" dirty="0">
               <a:solidFill>
                 <a:schemeClr val="dk1"/>
               </a:solidFill>
             </a:endParaRPr>
           </a:p>
           <a:p>
-            <a:endParaRPr sz="1600">
+            <a:endParaRPr sz="1600" dirty="0">
               <a:solidFill>
                 <a:schemeClr val="dk1"/>
               </a:solidFill>
@@ -16360,7 +16365,7 @@
           </a:p>
           <a:p>
             <a:r>
-              <a:rPr lang="it" sz="1600" b="1">
+              <a:rPr lang="it" sz="1600" b="1" dirty="0">
                 <a:solidFill>
                   <a:schemeClr val="dk1"/>
                 </a:solidFill>
@@ -16368,133 +16373,133 @@
               <a:t>Path</a:t>
             </a:r>
             <a:r>
-              <a:rPr lang="it" sz="1600">
+              <a:rPr lang="it" sz="1600" dirty="0">
                 <a:solidFill>
                   <a:schemeClr val="dk1"/>
                 </a:solidFill>
               </a:rPr>
               <a:t> = { A, B, C, E, D, F } =  9</a:t>
             </a:r>
-            <a:endParaRPr sz="1600">
+            <a:endParaRPr sz="1600" dirty="0">
               <a:solidFill>
                 <a:schemeClr val="dk1"/>
               </a:solidFill>
             </a:endParaRPr>
           </a:p>
           <a:p>
-            <a:endParaRPr sz="1600">
+            <a:endParaRPr sz="1600" dirty="0">
               <a:solidFill>
                 <a:schemeClr val="dk1"/>
               </a:solidFill>
             </a:endParaRPr>
           </a:p>
           <a:p>
-            <a:endParaRPr sz="1600">
+            <a:endParaRPr sz="1600" dirty="0">
               <a:solidFill>
                 <a:schemeClr val="dk1"/>
               </a:solidFill>
             </a:endParaRPr>
           </a:p>
           <a:p>
-            <a:endParaRPr sz="1600">
+            <a:endParaRPr sz="1600" dirty="0">
               <a:solidFill>
                 <a:schemeClr val="dk1"/>
               </a:solidFill>
             </a:endParaRPr>
           </a:p>
           <a:p>
-            <a:endParaRPr sz="1600">
+            <a:endParaRPr sz="1600" dirty="0">
               <a:solidFill>
                 <a:schemeClr val="dk1"/>
               </a:solidFill>
             </a:endParaRPr>
           </a:p>
           <a:p>
-            <a:endParaRPr sz="1600">
+            <a:endParaRPr sz="1600" dirty="0">
               <a:solidFill>
                 <a:schemeClr val="dk1"/>
               </a:solidFill>
             </a:endParaRPr>
           </a:p>
           <a:p>
-            <a:endParaRPr sz="1600">
+            <a:endParaRPr sz="1600" dirty="0">
               <a:solidFill>
                 <a:schemeClr val="dk1"/>
               </a:solidFill>
             </a:endParaRPr>
           </a:p>
           <a:p>
-            <a:endParaRPr sz="1600">
+            <a:endParaRPr sz="1600" dirty="0">
               <a:solidFill>
                 <a:schemeClr val="dk1"/>
               </a:solidFill>
             </a:endParaRPr>
           </a:p>
           <a:p>
-            <a:endParaRPr sz="1600">
+            <a:endParaRPr sz="1600" dirty="0">
               <a:solidFill>
                 <a:schemeClr val="dk1"/>
               </a:solidFill>
             </a:endParaRPr>
           </a:p>
           <a:p>
-            <a:endParaRPr sz="1600">
+            <a:endParaRPr sz="1600" dirty="0">
               <a:solidFill>
                 <a:schemeClr val="dk1"/>
               </a:solidFill>
             </a:endParaRPr>
           </a:p>
           <a:p>
-            <a:endParaRPr sz="1600">
+            <a:endParaRPr sz="1600" dirty="0">
               <a:solidFill>
                 <a:schemeClr val="dk1"/>
               </a:solidFill>
             </a:endParaRPr>
           </a:p>
           <a:p>
-            <a:endParaRPr sz="1600">
+            <a:endParaRPr sz="1600" dirty="0">
               <a:solidFill>
                 <a:schemeClr val="dk1"/>
               </a:solidFill>
             </a:endParaRPr>
           </a:p>
           <a:p>
-            <a:endParaRPr sz="1600">
+            <a:endParaRPr sz="1600" dirty="0">
               <a:solidFill>
                 <a:schemeClr val="dk1"/>
               </a:solidFill>
             </a:endParaRPr>
           </a:p>
           <a:p>
-            <a:endParaRPr sz="1600">
+            <a:endParaRPr sz="1600" dirty="0">
               <a:solidFill>
                 <a:schemeClr val="dk1"/>
               </a:solidFill>
             </a:endParaRPr>
           </a:p>
           <a:p>
-            <a:endParaRPr sz="1600">
+            <a:endParaRPr sz="1600" dirty="0">
               <a:solidFill>
                 <a:schemeClr val="dk1"/>
               </a:solidFill>
             </a:endParaRPr>
           </a:p>
           <a:p>
-            <a:endParaRPr sz="1600">
+            <a:endParaRPr sz="1600" dirty="0">
               <a:solidFill>
                 <a:schemeClr val="dk1"/>
               </a:solidFill>
             </a:endParaRPr>
           </a:p>
           <a:p>
-            <a:endParaRPr sz="1600">
+            <a:endParaRPr sz="1600" dirty="0">
               <a:solidFill>
                 <a:schemeClr val="dk1"/>
               </a:solidFill>
             </a:endParaRPr>
           </a:p>
           <a:p>
-            <a:endParaRPr sz="2400"/>
+            <a:endParaRPr sz="2400" dirty="0"/>
           </a:p>
         </p:txBody>
       </p:sp>
@@ -16506,8 +16511,8 @@
         </p:nvSpPr>
         <p:spPr>
           <a:xfrm>
-            <a:off x="3824933" y="5204767"/>
-            <a:ext cx="573200" cy="450400"/>
+            <a:off x="3791824" y="5204767"/>
+            <a:ext cx="606309" cy="450400"/>
           </a:xfrm>
           <a:prstGeom prst="rect">
             <a:avLst/>
@@ -16532,10 +16537,10 @@
           <a:p>
             <a:pPr algn="ctr"/>
             <a:r>
-              <a:rPr lang="it" sz="2400"/>
+              <a:rPr lang="it" sz="2400" dirty="0"/>
               <a:t>(3)</a:t>
             </a:r>
-            <a:endParaRPr sz="2400"/>
+            <a:endParaRPr sz="2400" dirty="0"/>
           </a:p>
         </p:txBody>
       </p:sp>
@@ -16547,8 +16552,8 @@
         </p:nvSpPr>
         <p:spPr>
           <a:xfrm>
-            <a:off x="5966900" y="5204767"/>
-            <a:ext cx="573200" cy="450400"/>
+            <a:off x="5905850" y="5204767"/>
+            <a:ext cx="634250" cy="450400"/>
           </a:xfrm>
           <a:prstGeom prst="rect">
             <a:avLst/>
@@ -16573,11 +16578,11 @@
           <a:p>
             <a:pPr algn="ctr"/>
             <a:r>
-              <a:rPr lang="it" sz="2400"/>
+              <a:rPr lang="it" sz="2400" dirty="0"/>
               <a:t>(</a:t>
             </a:r>
             <a:r>
-              <a:rPr lang="it" sz="2400">
+              <a:rPr lang="it" sz="2400" dirty="0">
                 <a:solidFill>
                   <a:schemeClr val="dk1"/>
                 </a:solidFill>
@@ -16585,10 +16590,10 @@
               <a:t>6</a:t>
             </a:r>
             <a:r>
-              <a:rPr lang="it" sz="2400"/>
+              <a:rPr lang="it" sz="2400" dirty="0"/>
               <a:t>)</a:t>
             </a:r>
-            <a:endParaRPr sz="2400"/>
+            <a:endParaRPr sz="2400" dirty="0"/>
           </a:p>
         </p:txBody>
       </p:sp>
@@ -16600,8 +16605,8 @@
         </p:nvSpPr>
         <p:spPr>
           <a:xfrm>
-            <a:off x="5966933" y="1792800"/>
-            <a:ext cx="573200" cy="450400"/>
+            <a:off x="5914239" y="1792800"/>
+            <a:ext cx="625894" cy="450400"/>
           </a:xfrm>
           <a:prstGeom prst="rect">
             <a:avLst/>
@@ -16626,11 +16631,11 @@
           <a:p>
             <a:pPr algn="ctr"/>
             <a:r>
-              <a:rPr lang="it" sz="2400"/>
+              <a:rPr lang="it" sz="2400" dirty="0"/>
               <a:t>(</a:t>
             </a:r>
             <a:r>
-              <a:rPr lang="it" sz="2400">
+              <a:rPr lang="it" sz="2400" dirty="0">
                 <a:solidFill>
                   <a:schemeClr val="dk1"/>
                 </a:solidFill>
@@ -16638,10 +16643,10 @@
               <a:t>8</a:t>
             </a:r>
             <a:r>
-              <a:rPr lang="it" sz="2400"/>
+              <a:rPr lang="it" sz="2400" dirty="0"/>
               <a:t>)</a:t>
             </a:r>
-            <a:endParaRPr sz="2400"/>
+            <a:endParaRPr sz="2400" dirty="0"/>
           </a:p>
         </p:txBody>
       </p:sp>
@@ -17362,8 +17367,8 @@
         </p:nvSpPr>
         <p:spPr>
           <a:xfrm>
-            <a:off x="6185267" y="1454167"/>
-            <a:ext cx="5428800" cy="4651600"/>
+            <a:off x="6151711" y="791437"/>
+            <a:ext cx="5428800" cy="5240247"/>
           </a:xfrm>
           <a:prstGeom prst="rect">
             <a:avLst/>
@@ -17380,11 +17385,11 @@
           <a:lstStyle/>
           <a:p>
             <a:r>
-              <a:rPr lang="it" sz="2400"/>
+              <a:rPr lang="it" sz="2000" dirty="0"/>
               <a:t>A* uses f(n) = </a:t>
             </a:r>
             <a:r>
-              <a:rPr lang="it" sz="2400">
+              <a:rPr lang="it" sz="2000" dirty="0">
                 <a:solidFill>
                   <a:srgbClr val="666666"/>
                 </a:solidFill>
@@ -17392,11 +17397,11 @@
               <a:t>g(n)</a:t>
             </a:r>
             <a:r>
-              <a:rPr lang="it" sz="2400"/>
+              <a:rPr lang="it" sz="2000" dirty="0"/>
               <a:t> + </a:t>
             </a:r>
             <a:r>
-              <a:rPr lang="it" sz="2400">
+              <a:rPr lang="it" sz="2000" dirty="0">
                 <a:solidFill>
                   <a:srgbClr val="3C78D8"/>
                 </a:solidFill>
@@ -17404,22 +17409,22 @@
               <a:t>h(n) </a:t>
             </a:r>
             <a:r>
-              <a:rPr lang="it" sz="2400"/>
+              <a:rPr lang="it" sz="2000" dirty="0"/>
               <a:t>to find the shortest path</a:t>
             </a:r>
-            <a:endParaRPr sz="2400"/>
+            <a:endParaRPr sz="2000" dirty="0"/>
           </a:p>
           <a:p>
             <a:pPr marL="609585"/>
             <a:r>
-              <a:rPr lang="it" sz="2400">
+              <a:rPr lang="it" sz="2000" dirty="0">
                 <a:solidFill>
                   <a:srgbClr val="666666"/>
                 </a:solidFill>
               </a:rPr>
               <a:t>g(n) = total of all edge weights</a:t>
             </a:r>
-            <a:endParaRPr sz="2400">
+            <a:endParaRPr sz="2000" dirty="0">
               <a:solidFill>
                 <a:srgbClr val="666666"/>
               </a:solidFill>
@@ -17428,40 +17433,40 @@
           <a:p>
             <a:pPr marL="609585"/>
             <a:r>
-              <a:rPr lang="it" sz="2400">
+              <a:rPr lang="it" sz="2000" dirty="0">
                 <a:solidFill>
                   <a:srgbClr val="3C78D8"/>
                 </a:solidFill>
               </a:rPr>
               <a:t>h(n) = value of heuristic at node</a:t>
             </a:r>
-            <a:endParaRPr sz="2400">
+            <a:endParaRPr sz="2000" dirty="0">
               <a:solidFill>
                 <a:srgbClr val="3C78D8"/>
               </a:solidFill>
             </a:endParaRPr>
           </a:p>
           <a:p>
-            <a:endParaRPr sz="2400"/>
-          </a:p>
-          <a:p>
-            <a:r>
-              <a:rPr lang="it" sz="2400" b="1"/>
+            <a:endParaRPr sz="2000" dirty="0"/>
+          </a:p>
+          <a:p>
+            <a:r>
+              <a:rPr lang="it" sz="2000" b="1" dirty="0"/>
               <a:t>f(I)</a:t>
             </a:r>
             <a:r>
-              <a:rPr lang="it" sz="2400"/>
+              <a:rPr lang="it" sz="2000" dirty="0"/>
               <a:t> : three connecting nodes { E, H, J }</a:t>
             </a:r>
-            <a:endParaRPr sz="2400"/>
-          </a:p>
-          <a:p>
-            <a:r>
-              <a:rPr lang="it" sz="2400"/>
+            <a:endParaRPr sz="2000" dirty="0"/>
+          </a:p>
+          <a:p>
+            <a:r>
+              <a:rPr lang="it" sz="2000" dirty="0"/>
               <a:t>	f(E) = </a:t>
             </a:r>
             <a:r>
-              <a:rPr lang="it" sz="2400">
+              <a:rPr lang="it" sz="2000" dirty="0">
                 <a:solidFill>
                   <a:srgbClr val="666666"/>
                 </a:solidFill>
@@ -17469,11 +17474,11 @@
               <a:t>(3+1+3+5)</a:t>
             </a:r>
             <a:r>
-              <a:rPr lang="it" sz="2400"/>
+              <a:rPr lang="it" sz="2000" dirty="0"/>
               <a:t> + </a:t>
             </a:r>
             <a:r>
-              <a:rPr lang="it" sz="2400">
+              <a:rPr lang="it" sz="2000" dirty="0">
                 <a:solidFill>
                   <a:srgbClr val="3C78D8"/>
                 </a:solidFill>
@@ -17481,11 +17486,11 @@
               <a:t>3</a:t>
             </a:r>
             <a:r>
-              <a:rPr lang="it" sz="2400"/>
+              <a:rPr lang="it" sz="2000" dirty="0"/>
               <a:t> = </a:t>
             </a:r>
             <a:r>
-              <a:rPr lang="it" sz="2400">
+              <a:rPr lang="it" sz="2000" dirty="0">
                 <a:solidFill>
                   <a:srgbClr val="666666"/>
                 </a:solidFill>
@@ -17493,11 +17498,11 @@
               <a:t>12</a:t>
             </a:r>
             <a:r>
-              <a:rPr lang="it" sz="2400"/>
+              <a:rPr lang="it" sz="2000" dirty="0"/>
               <a:t> + </a:t>
             </a:r>
             <a:r>
-              <a:rPr lang="it" sz="2400">
+              <a:rPr lang="it" sz="2000" dirty="0">
                 <a:solidFill>
                   <a:srgbClr val="3C78D8"/>
                 </a:solidFill>
@@ -17505,22 +17510,22 @@
               <a:t>3</a:t>
             </a:r>
             <a:r>
-              <a:rPr lang="it" sz="2400"/>
+              <a:rPr lang="it" sz="2000" dirty="0"/>
               <a:t> = </a:t>
             </a:r>
             <a:r>
-              <a:rPr lang="it" sz="2400" b="1"/>
+              <a:rPr lang="it" sz="2000" b="1" dirty="0"/>
               <a:t>15</a:t>
             </a:r>
-            <a:endParaRPr sz="2400" b="1"/>
-          </a:p>
-          <a:p>
-            <a:r>
-              <a:rPr lang="it" sz="2400"/>
+            <a:endParaRPr sz="2000" b="1" dirty="0"/>
+          </a:p>
+          <a:p>
+            <a:r>
+              <a:rPr lang="it" sz="2000" dirty="0"/>
               <a:t>	f(H) = </a:t>
             </a:r>
             <a:r>
-              <a:rPr lang="it" sz="2400">
+              <a:rPr lang="it" sz="2000" dirty="0">
                 <a:solidFill>
                   <a:srgbClr val="666666"/>
                 </a:solidFill>
@@ -17528,7 +17533,7 @@
               <a:t>(3+1+3+2)</a:t>
             </a:r>
             <a:r>
-              <a:rPr lang="it" sz="2400">
+              <a:rPr lang="it" sz="2000" dirty="0">
                 <a:solidFill>
                   <a:srgbClr val="999999"/>
                 </a:solidFill>
@@ -17536,7 +17541,7 @@
               <a:t> </a:t>
             </a:r>
             <a:r>
-              <a:rPr lang="it" sz="2400">
+              <a:rPr lang="it" sz="2000" dirty="0">
                 <a:solidFill>
                   <a:schemeClr val="dk1"/>
                 </a:solidFill>
@@ -17544,7 +17549,7 @@
               <a:t>+ </a:t>
             </a:r>
             <a:r>
-              <a:rPr lang="it" sz="2400">
+              <a:rPr lang="it" sz="2000" dirty="0">
                 <a:solidFill>
                   <a:srgbClr val="3C78D8"/>
                 </a:solidFill>
@@ -17552,7 +17557,7 @@
               <a:t>3 </a:t>
             </a:r>
             <a:r>
-              <a:rPr lang="it" sz="2400">
+              <a:rPr lang="it" sz="2000" dirty="0">
                 <a:solidFill>
                   <a:schemeClr val="dk1"/>
                 </a:solidFill>
@@ -17560,7 +17565,7 @@
               <a:t>=   </a:t>
             </a:r>
             <a:r>
-              <a:rPr lang="it" sz="2400">
+              <a:rPr lang="it" sz="2000" dirty="0">
                 <a:solidFill>
                   <a:srgbClr val="666666"/>
                 </a:solidFill>
@@ -17568,7 +17573,7 @@
               <a:t>9</a:t>
             </a:r>
             <a:r>
-              <a:rPr lang="it" sz="2400">
+              <a:rPr lang="it" sz="2000" dirty="0">
                 <a:solidFill>
                   <a:schemeClr val="dk1"/>
                 </a:solidFill>
@@ -17576,7 +17581,7 @@
               <a:t> + </a:t>
             </a:r>
             <a:r>
-              <a:rPr lang="it" sz="2400">
+              <a:rPr lang="it" sz="2000" dirty="0">
                 <a:solidFill>
                   <a:srgbClr val="3C78D8"/>
                 </a:solidFill>
@@ -17584,7 +17589,7 @@
               <a:t>3</a:t>
             </a:r>
             <a:r>
-              <a:rPr lang="it" sz="2400">
+              <a:rPr lang="it" sz="2000" dirty="0">
                 <a:solidFill>
                   <a:schemeClr val="dk1"/>
                 </a:solidFill>
@@ -17592,14 +17597,14 @@
               <a:t> = </a:t>
             </a:r>
             <a:r>
-              <a:rPr lang="it" sz="2400" b="1">
+              <a:rPr lang="it" sz="2000" b="1" dirty="0">
                 <a:solidFill>
                   <a:schemeClr val="dk1"/>
                 </a:solidFill>
               </a:rPr>
               <a:t>12</a:t>
             </a:r>
-            <a:endParaRPr sz="2400" b="1">
+            <a:endParaRPr sz="2000" b="1" dirty="0">
               <a:solidFill>
                 <a:schemeClr val="dk1"/>
               </a:solidFill>
@@ -17607,7 +17612,7 @@
           </a:p>
           <a:p>
             <a:r>
-              <a:rPr lang="it" sz="2400">
+              <a:rPr lang="it" sz="2000" dirty="0">
                 <a:solidFill>
                   <a:schemeClr val="dk1"/>
                 </a:solidFill>
@@ -17615,7 +17620,7 @@
               <a:t>	f(J)  = </a:t>
             </a:r>
             <a:r>
-              <a:rPr lang="it" sz="2400">
+              <a:rPr lang="it" sz="2000" dirty="0">
                 <a:solidFill>
                   <a:srgbClr val="666666"/>
                 </a:solidFill>
@@ -17623,7 +17628,7 @@
               <a:t>(3+1+3+3)</a:t>
             </a:r>
             <a:r>
-              <a:rPr lang="it" sz="2400">
+              <a:rPr lang="it" sz="2000" dirty="0">
                 <a:solidFill>
                   <a:srgbClr val="999999"/>
                 </a:solidFill>
@@ -17631,7 +17636,7 @@
               <a:t> </a:t>
             </a:r>
             <a:r>
-              <a:rPr lang="it" sz="2400">
+              <a:rPr lang="it" sz="2000" dirty="0">
                 <a:solidFill>
                   <a:schemeClr val="dk1"/>
                 </a:solidFill>
@@ -17639,7 +17644,7 @@
               <a:t>+ </a:t>
             </a:r>
             <a:r>
-              <a:rPr lang="it" sz="2400">
+              <a:rPr lang="it" sz="2000" dirty="0">
                 <a:solidFill>
                   <a:srgbClr val="3C78D8"/>
                 </a:solidFill>
@@ -17647,7 +17652,7 @@
               <a:t>0 </a:t>
             </a:r>
             <a:r>
-              <a:rPr lang="it" sz="2400">
+              <a:rPr lang="it" sz="2000" dirty="0">
                 <a:solidFill>
                   <a:schemeClr val="dk1"/>
                 </a:solidFill>
@@ -17655,7 +17660,7 @@
               <a:t>= </a:t>
             </a:r>
             <a:r>
-              <a:rPr lang="it" sz="2400">
+              <a:rPr lang="it" sz="2000" dirty="0">
                 <a:solidFill>
                   <a:srgbClr val="666666"/>
                 </a:solidFill>
@@ -17663,7 +17668,7 @@
               <a:t>10</a:t>
             </a:r>
             <a:r>
-              <a:rPr lang="it" sz="2400">
+              <a:rPr lang="it" sz="2000" dirty="0">
                 <a:solidFill>
                   <a:schemeClr val="dk1"/>
                 </a:solidFill>
@@ -17671,7 +17676,7 @@
               <a:t> + </a:t>
             </a:r>
             <a:r>
-              <a:rPr lang="it" sz="2400">
+              <a:rPr lang="it" sz="2000" dirty="0">
                 <a:solidFill>
                   <a:srgbClr val="3C78D8"/>
                 </a:solidFill>
@@ -17679,7 +17684,7 @@
               <a:t>0</a:t>
             </a:r>
             <a:r>
-              <a:rPr lang="it" sz="2400">
+              <a:rPr lang="it" sz="2000" dirty="0">
                 <a:solidFill>
                   <a:schemeClr val="dk1"/>
                 </a:solidFill>
@@ -17687,21 +17692,21 @@
               <a:t> = </a:t>
             </a:r>
             <a:r>
-              <a:rPr lang="it" sz="2400" b="1">
+              <a:rPr lang="it" sz="2000" b="1" dirty="0">
                 <a:solidFill>
                   <a:schemeClr val="dk1"/>
                 </a:solidFill>
               </a:rPr>
               <a:t>10</a:t>
             </a:r>
-            <a:endParaRPr sz="2400" b="1">
+            <a:endParaRPr sz="2000" b="1" dirty="0">
               <a:solidFill>
                 <a:schemeClr val="dk1"/>
               </a:solidFill>
             </a:endParaRPr>
           </a:p>
           <a:p>
-            <a:endParaRPr sz="2400">
+            <a:endParaRPr sz="2000" dirty="0">
               <a:solidFill>
                 <a:schemeClr val="dk1"/>
               </a:solidFill>
@@ -17709,14 +17714,14 @@
           </a:p>
           <a:p>
             <a:r>
-              <a:rPr lang="it" sz="2400">
+              <a:rPr lang="it" sz="2000" dirty="0">
                 <a:solidFill>
                   <a:schemeClr val="dk1"/>
                 </a:solidFill>
               </a:rPr>
               <a:t>Therefore, J is the minimum f(n)</a:t>
             </a:r>
-            <a:endParaRPr sz="2400">
+            <a:endParaRPr sz="2000" dirty="0">
               <a:solidFill>
                 <a:schemeClr val="dk1"/>
               </a:solidFill>
@@ -17725,35 +17730,35 @@
           <a:p>
             <a:pPr indent="609585"/>
             <a:r>
-              <a:rPr lang="it" sz="2400">
+              <a:rPr lang="it" sz="2000" dirty="0">
                 <a:solidFill>
                   <a:schemeClr val="dk1"/>
                 </a:solidFill>
               </a:rPr>
               <a:t>⇒  J is target node, so algorithm stops</a:t>
             </a:r>
-            <a:endParaRPr sz="2400">
+            <a:endParaRPr sz="2000" dirty="0">
               <a:solidFill>
                 <a:schemeClr val="dk1"/>
               </a:solidFill>
             </a:endParaRPr>
           </a:p>
           <a:p>
-            <a:endParaRPr sz="2400">
+            <a:endParaRPr sz="2000" dirty="0">
               <a:solidFill>
                 <a:schemeClr val="dk1"/>
               </a:solidFill>
             </a:endParaRPr>
           </a:p>
           <a:p>
-            <a:endParaRPr sz="2400">
+            <a:endParaRPr sz="2000" dirty="0">
               <a:solidFill>
                 <a:schemeClr val="dk1"/>
               </a:solidFill>
             </a:endParaRPr>
           </a:p>
           <a:p>
-            <a:endParaRPr sz="2400">
+            <a:endParaRPr sz="2000" dirty="0">
               <a:solidFill>
                 <a:schemeClr val="dk1"/>
               </a:solidFill>
@@ -17761,21 +17766,21 @@
           </a:p>
           <a:p>
             <a:r>
-              <a:rPr lang="it" sz="2400">
+              <a:rPr lang="it" sz="2000" dirty="0">
                 <a:solidFill>
                   <a:schemeClr val="dk1"/>
                 </a:solidFill>
               </a:rPr>
               <a:t>Minimum Path = { A, F, G, I, J }</a:t>
             </a:r>
-            <a:endParaRPr sz="2400">
+            <a:endParaRPr sz="2000" dirty="0">
               <a:solidFill>
                 <a:schemeClr val="dk1"/>
               </a:solidFill>
             </a:endParaRPr>
           </a:p>
           <a:p>
-            <a:endParaRPr sz="2400"/>
+            <a:endParaRPr sz="2400" dirty="0"/>
           </a:p>
         </p:txBody>
       </p:sp>
@@ -21422,69 +21427,85 @@
           <a:lstStyle/>
           <a:p>
             <a:r>
-              <a:rPr lang="it" sz="2400" b="1"/>
+              <a:rPr lang="it" b="1" dirty="0"/>
               <a:t>Relaxation ⇒</a:t>
             </a:r>
-            <a:endParaRPr sz="2400" b="1"/>
-          </a:p>
-          <a:p>
-            <a:endParaRPr sz="2400"/>
-          </a:p>
-          <a:p>
-            <a:r>
-              <a:rPr lang="it" sz="2400"/>
+            <a:endParaRPr b="1" dirty="0"/>
+          </a:p>
+          <a:p>
+            <a:endParaRPr dirty="0"/>
+          </a:p>
+          <a:p>
+            <a:r>
+              <a:rPr lang="it" dirty="0"/>
               <a:t>      if d[B]  +  c[B,C]  &lt;  d[C]</a:t>
             </a:r>
-            <a:endParaRPr sz="2400"/>
-          </a:p>
-          <a:p>
-            <a:r>
-              <a:rPr lang="it" sz="2400"/>
-              <a:t>            3     +      5    &lt; </a:t>
-            </a:r>
-            <a:r>
-              <a:rPr lang="it" sz="1600"/>
+            <a:endParaRPr dirty="0"/>
+          </a:p>
+          <a:p>
+            <a:r>
+              <a:rPr lang="it" sz="2400" dirty="0"/>
+              <a:t>         </a:t>
+            </a:r>
+            <a:r>
+              <a:rPr lang="it" dirty="0"/>
+              <a:t>3     +      5      </a:t>
+            </a:r>
+            <a:r>
+              <a:rPr lang="it" sz="2000" dirty="0"/>
+              <a:t>&lt;</a:t>
+            </a:r>
+            <a:r>
+              <a:rPr lang="it" sz="2400" dirty="0"/>
+              <a:t> </a:t>
+            </a:r>
+            <a:r>
+              <a:rPr lang="it" sz="1600" dirty="0"/>
               <a:t>   </a:t>
             </a:r>
             <a:r>
-              <a:rPr lang="it" sz="2667"/>
+              <a:rPr lang="it" sz="2400" dirty="0"/>
               <a:t>∞</a:t>
             </a:r>
             <a:r>
-              <a:rPr lang="it" sz="1600"/>
+              <a:rPr lang="it" sz="1600" dirty="0"/>
               <a:t> </a:t>
             </a:r>
-            <a:endParaRPr sz="1600"/>
-          </a:p>
-          <a:p>
-            <a:r>
-              <a:rPr lang="it" sz="1600"/>
+            <a:endParaRPr sz="1600" dirty="0"/>
+          </a:p>
+          <a:p>
+            <a:r>
+              <a:rPr lang="it" sz="1600" dirty="0"/>
               <a:t>                                                           </a:t>
             </a:r>
-            <a:endParaRPr sz="1600"/>
-          </a:p>
-          <a:p>
-            <a:r>
-              <a:rPr lang="it" sz="1600" i="1"/>
+            <a:endParaRPr sz="1600" dirty="0"/>
+          </a:p>
+          <a:p>
+            <a:r>
+              <a:rPr lang="it" i="1" dirty="0"/>
               <a:t>       </a:t>
             </a:r>
             <a:r>
-              <a:rPr lang="it" sz="2400"/>
+              <a:rPr lang="it" dirty="0"/>
               <a:t>Then, </a:t>
             </a:r>
             <a:r>
-              <a:rPr lang="it" sz="2400" b="1"/>
+              <a:rPr lang="it" b="1" dirty="0"/>
               <a:t>d[C] = d[B] + c[B,C]</a:t>
             </a:r>
             <a:r>
-              <a:rPr lang="it" sz="2400" i="1"/>
-              <a:t>   </a:t>
-            </a:r>
-            <a:r>
-              <a:rPr lang="it" sz="1600" i="1"/>
+              <a:rPr lang="it" i="1" dirty="0"/>
+              <a:t> </a:t>
+            </a:r>
+            <a:r>
+              <a:rPr lang="it" sz="2400" i="1" dirty="0"/>
+              <a:t>  </a:t>
+            </a:r>
+            <a:r>
+              <a:rPr lang="it" sz="1600" i="1" dirty="0"/>
               <a:t> (C modified to 8)</a:t>
             </a:r>
-            <a:endParaRPr sz="1600" i="1"/>
+            <a:endParaRPr sz="1600" i="1" dirty="0"/>
           </a:p>
         </p:txBody>
       </p:sp>
@@ -21692,37 +21713,37 @@
           <a:lstStyle/>
           <a:p>
             <a:r>
-              <a:rPr lang="it" sz="2400" b="1"/>
+              <a:rPr lang="it" b="1" dirty="0"/>
               <a:t>distance = d[Vertex]</a:t>
             </a:r>
-            <a:endParaRPr sz="2400" b="1"/>
-          </a:p>
-          <a:p>
-            <a:r>
-              <a:rPr lang="it" sz="2400"/>
+            <a:endParaRPr b="1" dirty="0"/>
+          </a:p>
+          <a:p>
+            <a:r>
+              <a:rPr lang="it" dirty="0"/>
               <a:t>considers distance plus cost of each edge from for each vertex as it relates to source</a:t>
             </a:r>
-            <a:endParaRPr sz="2400"/>
-          </a:p>
-          <a:p>
-            <a:endParaRPr sz="2400"/>
-          </a:p>
-          <a:p>
-            <a:endParaRPr sz="2400" b="1"/>
-          </a:p>
-          <a:p>
-            <a:r>
-              <a:rPr lang="it" sz="2400" b="1"/>
+            <a:endParaRPr dirty="0"/>
+          </a:p>
+          <a:p>
+            <a:endParaRPr dirty="0"/>
+          </a:p>
+          <a:p>
+            <a:endParaRPr b="1" dirty="0"/>
+          </a:p>
+          <a:p>
+            <a:r>
+              <a:rPr lang="it" b="1" dirty="0"/>
               <a:t>cost = c[Vertex1,Vertex2]</a:t>
             </a:r>
-            <a:endParaRPr sz="2400" b="1"/>
-          </a:p>
-          <a:p>
-            <a:r>
-              <a:rPr lang="it" sz="2400"/>
+            <a:endParaRPr b="1" dirty="0"/>
+          </a:p>
+          <a:p>
+            <a:r>
+              <a:rPr lang="it" dirty="0"/>
               <a:t>weight of edge between two direct neighboring vertices</a:t>
             </a:r>
-            <a:endParaRPr sz="2400"/>
+            <a:endParaRPr dirty="0"/>
           </a:p>
         </p:txBody>
       </p:sp>
@@ -23849,14 +23870,14 @@
               <a:buNone/>
             </a:pPr>
             <a:r>
-              <a:rPr lang="it" sz="1867" b="1"/>
+              <a:rPr lang="it" sz="1867" b="1" dirty="0"/>
               <a:t>Dijkstra:</a:t>
             </a:r>
             <a:r>
-              <a:rPr lang="it" sz="1867"/>
+              <a:rPr lang="it" sz="1867" dirty="0"/>
               <a:t> </a:t>
             </a:r>
-            <a:endParaRPr sz="1867"/>
+            <a:endParaRPr sz="1867" dirty="0"/>
           </a:p>
           <a:p>
             <a:pPr indent="-423323">
@@ -23869,10 +23890,10 @@
               <a:buSzPts val="1400"/>
             </a:pPr>
             <a:r>
-              <a:rPr lang="it" sz="1867"/>
+              <a:rPr lang="it" sz="1867" dirty="0"/>
               <a:t>Can vary somewhat depending on data structures implemented, but generally considered to be O(V).</a:t>
             </a:r>
-            <a:endParaRPr sz="1867"/>
+            <a:endParaRPr sz="1867" dirty="0"/>
           </a:p>
           <a:p>
             <a:pPr indent="-423323">
@@ -23885,10 +23906,10 @@
               <a:buSzPts val="1400"/>
             </a:pPr>
             <a:r>
-              <a:rPr lang="it" sz="1867"/>
+              <a:rPr lang="it" sz="1867" dirty="0"/>
               <a:t>Given the MinHeap/Priority Queue example:</a:t>
             </a:r>
-            <a:endParaRPr sz="1867"/>
+            <a:endParaRPr sz="1867" dirty="0"/>
           </a:p>
           <a:p>
             <a:pPr indent="0">
@@ -23901,18 +23922,18 @@
               <a:buNone/>
             </a:pPr>
             <a:r>
-              <a:rPr lang="it"/>
+              <a:rPr lang="it" dirty="0"/>
               <a:t>  </a:t>
             </a:r>
             <a:r>
-              <a:rPr lang="it" b="1"/>
+              <a:rPr lang="it" b="1" dirty="0"/>
               <a:t>o</a:t>
             </a:r>
             <a:r>
-              <a:rPr lang="it" sz="1867" b="1"/>
+              <a:rPr lang="it" sz="1867" b="1" dirty="0"/>
               <a:t>verall space-complexity:</a:t>
             </a:r>
-            <a:endParaRPr sz="1867" b="1"/>
+            <a:endParaRPr sz="1867" b="1" dirty="0"/>
           </a:p>
           <a:p>
             <a:pPr marL="1219170" indent="0">
@@ -23922,10 +23943,10 @@
               <a:buNone/>
             </a:pPr>
             <a:r>
-              <a:rPr lang="it" sz="1867"/>
+              <a:rPr lang="it" sz="1867" dirty="0"/>
               <a:t>= O(V) + O(V) </a:t>
             </a:r>
-            <a:endParaRPr sz="1867"/>
+            <a:endParaRPr sz="1867" dirty="0"/>
           </a:p>
           <a:p>
             <a:pPr marL="1219170" indent="0">
@@ -23935,10 +23956,10 @@
               <a:buNone/>
             </a:pPr>
             <a:r>
-              <a:rPr lang="it" sz="1867"/>
+              <a:rPr lang="it" sz="1867" dirty="0"/>
               <a:t>= O(2V)</a:t>
             </a:r>
-            <a:endParaRPr sz="1867"/>
+            <a:endParaRPr sz="1867" dirty="0"/>
           </a:p>
           <a:p>
             <a:pPr marL="1219170" indent="0">
@@ -23948,10 +23969,10 @@
               <a:buNone/>
             </a:pPr>
             <a:r>
-              <a:rPr lang="it" sz="1867" b="1"/>
+              <a:rPr lang="it" sz="1867" b="1" dirty="0"/>
               <a:t>= O(V)</a:t>
             </a:r>
-            <a:endParaRPr sz="1867" b="1"/>
+            <a:endParaRPr sz="1867" b="1" dirty="0"/>
           </a:p>
           <a:p>
             <a:pPr marL="0" indent="0">
@@ -23963,7 +23984,7 @@
               </a:spcAft>
               <a:buNone/>
             </a:pPr>
-            <a:endParaRPr sz="2133"/>
+            <a:endParaRPr sz="2133" dirty="0"/>
           </a:p>
         </p:txBody>
       </p:sp>
@@ -23975,7 +23996,7 @@
         </p:nvSpPr>
         <p:spPr>
           <a:xfrm>
-            <a:off x="6138467" y="1479133"/>
+            <a:off x="6163634" y="1462355"/>
             <a:ext cx="5598000" cy="5057600"/>
           </a:xfrm>
           <a:prstGeom prst="rect">
@@ -23993,7 +24014,7 @@
           <a:lstStyle/>
           <a:p>
             <a:r>
-              <a:rPr lang="it" sz="2400" b="1">
+              <a:rPr lang="it" sz="2000" b="1" dirty="0">
                 <a:solidFill>
                   <a:schemeClr val="dk2"/>
                 </a:solidFill>
@@ -24001,14 +24022,14 @@
               <a:t>A*</a:t>
             </a:r>
             <a:r>
-              <a:rPr lang="it" sz="2400">
+              <a:rPr lang="it" sz="2000" dirty="0">
                 <a:solidFill>
                   <a:schemeClr val="dk2"/>
                 </a:solidFill>
               </a:rPr>
               <a:t>:</a:t>
             </a:r>
-            <a:endParaRPr sz="2400">
+            <a:endParaRPr sz="2000" dirty="0">
               <a:solidFill>
                 <a:schemeClr val="dk2"/>
               </a:solidFill>
@@ -24026,14 +24047,14 @@
               <a:buChar char="●"/>
             </a:pPr>
             <a:r>
-              <a:rPr lang="it" sz="2400">
+              <a:rPr lang="it" sz="2000" dirty="0">
                 <a:solidFill>
                   <a:schemeClr val="dk2"/>
                 </a:solidFill>
               </a:rPr>
-              <a:t>space considered the major drawback for this efficient algorithm as it stores all generated nodes in memory </a:t>
-            </a:r>
-            <a:endParaRPr sz="2400">
+              <a:t>space is considered the major drawback for this efficient algorithm as it stores all generated nodes in memory </a:t>
+            </a:r>
+            <a:endParaRPr sz="2000" dirty="0">
               <a:solidFill>
                 <a:schemeClr val="dk2"/>
               </a:solidFill>
@@ -24051,14 +24072,14 @@
               <a:buChar char="●"/>
             </a:pPr>
             <a:r>
-              <a:rPr lang="it" sz="2400">
+              <a:rPr lang="it" sz="2000" dirty="0">
                 <a:solidFill>
                   <a:schemeClr val="dk2"/>
                 </a:solidFill>
               </a:rPr>
               <a:t>this limitation has promoted the development of memory-bounded heuristic searches such as iterative deepening A* and the like</a:t>
             </a:r>
-            <a:endParaRPr sz="2400" b="1">
+            <a:endParaRPr sz="2000" b="1" dirty="0">
               <a:solidFill>
                 <a:schemeClr val="dk2"/>
               </a:solidFill>
@@ -24074,14 +24095,14 @@
               </a:spcBef>
             </a:pPr>
             <a:r>
-              <a:rPr lang="it" sz="2400" b="1">
+              <a:rPr lang="it" sz="2000" b="1" dirty="0">
                 <a:solidFill>
                   <a:schemeClr val="dk2"/>
                 </a:solidFill>
               </a:rPr>
               <a:t>Overall space-complexity: </a:t>
             </a:r>
-            <a:endParaRPr sz="2400" b="1">
+            <a:endParaRPr sz="2000" b="1" dirty="0">
               <a:solidFill>
                 <a:schemeClr val="dk2"/>
               </a:solidFill>
@@ -24094,14 +24115,14 @@
               </a:lnSpc>
             </a:pPr>
             <a:r>
-              <a:rPr lang="it" sz="2400">
+              <a:rPr lang="it" sz="2000" dirty="0">
                 <a:solidFill>
                   <a:schemeClr val="dk2"/>
                 </a:solidFill>
               </a:rPr>
               <a:t>= O(V) </a:t>
             </a:r>
-            <a:endParaRPr sz="2400">
+            <a:endParaRPr sz="2000" dirty="0">
               <a:solidFill>
                 <a:schemeClr val="dk2"/>
               </a:solidFill>
@@ -24114,7 +24135,7 @@
               </a:lnSpc>
             </a:pPr>
             <a:r>
-              <a:rPr lang="it" sz="2400" b="1">
+              <a:rPr lang="it" sz="2000" b="1" dirty="0">
                 <a:solidFill>
                   <a:schemeClr val="dk2"/>
                 </a:solidFill>
@@ -24122,7 +24143,7 @@
               <a:t>= O(b</a:t>
             </a:r>
             <a:r>
-              <a:rPr lang="it" sz="2400" b="1" baseline="30000">
+              <a:rPr lang="it" sz="2000" b="1" baseline="30000" dirty="0">
                 <a:solidFill>
                   <a:schemeClr val="dk2"/>
                 </a:solidFill>
@@ -24130,14 +24151,14 @@
               <a:t>d</a:t>
             </a:r>
             <a:r>
-              <a:rPr lang="it" sz="2400" b="1">
+              <a:rPr lang="it" sz="2000" b="1" dirty="0">
                 <a:solidFill>
                   <a:schemeClr val="dk2"/>
                 </a:solidFill>
               </a:rPr>
               <a:t>)</a:t>
             </a:r>
-            <a:endParaRPr sz="2400" b="1">
+            <a:endParaRPr sz="2000" b="1" dirty="0">
               <a:solidFill>
                 <a:schemeClr val="dk2"/>
               </a:solidFill>
@@ -26189,7 +26210,7 @@
         <p:spPr>
           <a:xfrm>
             <a:off x="2204667" y="2886367"/>
-            <a:ext cx="573200" cy="450400"/>
+            <a:ext cx="597256" cy="450400"/>
           </a:xfrm>
           <a:prstGeom prst="rect">
             <a:avLst/>
@@ -26214,10 +26235,10 @@
           <a:p>
             <a:pPr algn="ctr"/>
             <a:r>
-              <a:rPr lang="it" sz="2400"/>
+              <a:rPr lang="it" sz="2400" dirty="0"/>
               <a:t>(0)</a:t>
             </a:r>
-            <a:endParaRPr sz="2400"/>
+            <a:endParaRPr sz="2400" dirty="0"/>
           </a:p>
         </p:txBody>
       </p:sp>
@@ -26229,8 +26250,8 @@
         </p:nvSpPr>
         <p:spPr>
           <a:xfrm>
-            <a:off x="5966933" y="5174400"/>
-            <a:ext cx="573200" cy="450400"/>
+            <a:off x="5966932" y="5174400"/>
+            <a:ext cx="719093" cy="450400"/>
           </a:xfrm>
           <a:prstGeom prst="rect">
             <a:avLst/>
@@ -26255,11 +26276,11 @@
           <a:p>
             <a:pPr algn="ctr"/>
             <a:r>
-              <a:rPr lang="it" sz="2400"/>
+              <a:rPr lang="it" sz="2400" dirty="0"/>
               <a:t>(</a:t>
             </a:r>
             <a:r>
-              <a:rPr lang="it" sz="2400">
+              <a:rPr lang="it" sz="2400" dirty="0">
                 <a:solidFill>
                   <a:schemeClr val="dk1"/>
                 </a:solidFill>
@@ -26267,10 +26288,10 @@
               <a:t>∞</a:t>
             </a:r>
             <a:r>
-              <a:rPr lang="it" sz="2400"/>
+              <a:rPr lang="it" sz="2400" dirty="0"/>
               <a:t>)</a:t>
             </a:r>
-            <a:endParaRPr sz="2400"/>
+            <a:endParaRPr sz="2400" dirty="0"/>
           </a:p>
         </p:txBody>
       </p:sp>
@@ -26283,7 +26304,7 @@
         <p:spPr>
           <a:xfrm>
             <a:off x="3824933" y="5174400"/>
-            <a:ext cx="573200" cy="450400"/>
+            <a:ext cx="688344" cy="450400"/>
           </a:xfrm>
           <a:prstGeom prst="rect">
             <a:avLst/>
@@ -26308,10 +26329,10 @@
           <a:p>
             <a:pPr algn="ctr"/>
             <a:r>
-              <a:rPr lang="it" sz="2400"/>
+              <a:rPr lang="it" sz="2400" dirty="0"/>
               <a:t>(4)</a:t>
             </a:r>
-            <a:endParaRPr sz="2400"/>
+            <a:endParaRPr sz="2400" dirty="0"/>
           </a:p>
         </p:txBody>
       </p:sp>
@@ -26323,8 +26344,8 @@
         </p:nvSpPr>
         <p:spPr>
           <a:xfrm>
-            <a:off x="5966900" y="1762433"/>
-            <a:ext cx="573200" cy="450400"/>
+            <a:off x="5966899" y="1762433"/>
+            <a:ext cx="744293" cy="450400"/>
           </a:xfrm>
           <a:prstGeom prst="rect">
             <a:avLst/>
@@ -26349,10 +26370,10 @@
           <a:p>
             <a:pPr algn="ctr"/>
             <a:r>
-              <a:rPr lang="it" sz="2400"/>
+              <a:rPr lang="it" sz="2400" dirty="0"/>
               <a:t>(∞)</a:t>
             </a:r>
-            <a:endParaRPr sz="2400"/>
+            <a:endParaRPr sz="2400" dirty="0"/>
           </a:p>
         </p:txBody>
       </p:sp>
@@ -26365,7 +26386,7 @@
         <p:spPr>
           <a:xfrm>
             <a:off x="3824933" y="1762433"/>
-            <a:ext cx="573200" cy="450400"/>
+            <a:ext cx="638010" cy="450400"/>
           </a:xfrm>
           <a:prstGeom prst="rect">
             <a:avLst/>
@@ -26390,10 +26411,10 @@
           <a:p>
             <a:pPr algn="ctr"/>
             <a:r>
-              <a:rPr lang="it" sz="2400"/>
+              <a:rPr lang="it" sz="2400" dirty="0"/>
               <a:t>(2)</a:t>
             </a:r>
-            <a:endParaRPr sz="2400"/>
+            <a:endParaRPr sz="2400" dirty="0"/>
           </a:p>
         </p:txBody>
       </p:sp>
@@ -26405,8 +26426,8 @@
         </p:nvSpPr>
         <p:spPr>
           <a:xfrm>
-            <a:off x="7586867" y="2886367"/>
-            <a:ext cx="573200" cy="450400"/>
+            <a:off x="7586866" y="2886367"/>
+            <a:ext cx="693067" cy="450400"/>
           </a:xfrm>
           <a:prstGeom prst="rect">
             <a:avLst/>
@@ -26431,11 +26452,11 @@
           <a:p>
             <a:pPr algn="ctr"/>
             <a:r>
-              <a:rPr lang="it" sz="2400"/>
+              <a:rPr lang="it" sz="2400" dirty="0"/>
               <a:t>(</a:t>
             </a:r>
             <a:r>
-              <a:rPr lang="it" sz="2400">
+              <a:rPr lang="it" sz="2400" dirty="0">
                 <a:solidFill>
                   <a:schemeClr val="dk1"/>
                 </a:solidFill>
@@ -26443,10 +26464,10 @@
               <a:t>∞</a:t>
             </a:r>
             <a:r>
-              <a:rPr lang="it" sz="2400"/>
+              <a:rPr lang="it" sz="2400" dirty="0"/>
               <a:t>)</a:t>
             </a:r>
-            <a:endParaRPr sz="2400"/>
+            <a:endParaRPr sz="2400" dirty="0"/>
           </a:p>
         </p:txBody>
       </p:sp>
@@ -26730,7 +26751,7 @@
         </p:nvSpPr>
         <p:spPr>
           <a:xfrm>
-            <a:off x="8616000" y="3088533"/>
+            <a:off x="8632778" y="2677472"/>
             <a:ext cx="3080800" cy="3529600"/>
           </a:xfrm>
           <a:prstGeom prst="rect">
@@ -26755,28 +26776,28 @@
           <a:lstStyle/>
           <a:p>
             <a:r>
-              <a:rPr lang="it" sz="1600">
+              <a:rPr lang="it" sz="1600" dirty="0">
                 <a:solidFill>
                   <a:schemeClr val="dk1"/>
                 </a:solidFill>
               </a:rPr>
               <a:t>Initialize Graph</a:t>
             </a:r>
-            <a:endParaRPr sz="1600">
+            <a:endParaRPr sz="1600" dirty="0">
               <a:solidFill>
                 <a:schemeClr val="dk1"/>
               </a:solidFill>
             </a:endParaRPr>
           </a:p>
           <a:p>
-            <a:endParaRPr sz="1600">
+            <a:endParaRPr sz="1600" dirty="0">
               <a:solidFill>
                 <a:schemeClr val="dk1"/>
               </a:solidFill>
             </a:endParaRPr>
           </a:p>
           <a:p>
-            <a:endParaRPr sz="1600">
+            <a:endParaRPr sz="1600" dirty="0">
               <a:solidFill>
                 <a:schemeClr val="dk1"/>
               </a:solidFill>
@@ -26784,14 +26805,14 @@
           </a:p>
           <a:p>
             <a:r>
-              <a:rPr lang="it" sz="1600">
+              <a:rPr lang="it" sz="1600" dirty="0">
                 <a:solidFill>
                   <a:schemeClr val="dk1"/>
                 </a:solidFill>
               </a:rPr>
               <a:t>A ⇒ B &amp; C</a:t>
             </a:r>
-            <a:endParaRPr sz="1600">
+            <a:endParaRPr sz="1600" dirty="0">
               <a:solidFill>
                 <a:schemeClr val="dk1"/>
               </a:solidFill>
@@ -26799,14 +26820,14 @@
           </a:p>
           <a:p>
             <a:r>
-              <a:rPr lang="it" sz="1600">
+              <a:rPr lang="it" sz="1600" dirty="0">
                 <a:solidFill>
                   <a:schemeClr val="dk1"/>
                 </a:solidFill>
               </a:rPr>
               <a:t>        direct neighbors </a:t>
             </a:r>
-            <a:endParaRPr sz="1600">
+            <a:endParaRPr sz="1600" dirty="0">
               <a:solidFill>
                 <a:schemeClr val="dk1"/>
               </a:solidFill>
@@ -26814,21 +26835,21 @@
           </a:p>
           <a:p>
             <a:r>
-              <a:rPr lang="it" sz="1600">
+              <a:rPr lang="it" sz="1600" dirty="0">
                 <a:solidFill>
                   <a:schemeClr val="dk1"/>
                 </a:solidFill>
               </a:rPr>
               <a:t>        (fringe)</a:t>
             </a:r>
-            <a:endParaRPr sz="1600">
+            <a:endParaRPr sz="1600" dirty="0">
               <a:solidFill>
                 <a:schemeClr val="dk1"/>
               </a:solidFill>
             </a:endParaRPr>
           </a:p>
           <a:p>
-            <a:endParaRPr sz="1600">
+            <a:endParaRPr sz="1600" dirty="0">
               <a:solidFill>
                 <a:schemeClr val="dk1"/>
               </a:solidFill>
@@ -26836,14 +26857,14 @@
           </a:p>
           <a:p>
             <a:r>
-              <a:rPr lang="it" sz="1600">
+              <a:rPr lang="it" sz="1600" dirty="0">
                 <a:solidFill>
                   <a:schemeClr val="dk1"/>
                 </a:solidFill>
               </a:rPr>
               <a:t>A ⇒ D, E, F </a:t>
             </a:r>
-            <a:endParaRPr sz="1600">
+            <a:endParaRPr sz="1600" dirty="0">
               <a:solidFill>
                 <a:schemeClr val="dk1"/>
               </a:solidFill>
@@ -26851,28 +26872,28 @@
           </a:p>
           <a:p>
             <a:r>
-              <a:rPr lang="it" sz="1600">
+              <a:rPr lang="it" sz="1600" dirty="0">
                 <a:solidFill>
                   <a:schemeClr val="dk1"/>
                 </a:solidFill>
               </a:rPr>
               <a:t>        no direct path</a:t>
             </a:r>
-            <a:endParaRPr sz="1600">
+            <a:endParaRPr sz="1600" dirty="0">
               <a:solidFill>
                 <a:schemeClr val="dk1"/>
               </a:solidFill>
             </a:endParaRPr>
           </a:p>
           <a:p>
-            <a:endParaRPr sz="1600">
+            <a:endParaRPr sz="1600" dirty="0">
               <a:solidFill>
                 <a:schemeClr val="dk1"/>
               </a:solidFill>
             </a:endParaRPr>
           </a:p>
           <a:p>
-            <a:endParaRPr sz="1600">
+            <a:endParaRPr sz="1600" dirty="0">
               <a:solidFill>
                 <a:schemeClr val="dk1"/>
               </a:solidFill>
@@ -26880,77 +26901,77 @@
           </a:p>
           <a:p>
             <a:r>
-              <a:rPr lang="it" sz="1600">
+              <a:rPr lang="it" sz="1600" dirty="0">
                 <a:solidFill>
                   <a:schemeClr val="dk1"/>
                 </a:solidFill>
               </a:rPr>
               <a:t>What is A’s shortest distance?</a:t>
             </a:r>
-            <a:endParaRPr sz="1600">
+            <a:endParaRPr sz="1600" dirty="0">
               <a:solidFill>
                 <a:schemeClr val="dk1"/>
               </a:solidFill>
             </a:endParaRPr>
           </a:p>
           <a:p>
-            <a:endParaRPr sz="1600">
+            <a:endParaRPr sz="1600" dirty="0">
               <a:solidFill>
                 <a:schemeClr val="dk1"/>
               </a:solidFill>
             </a:endParaRPr>
           </a:p>
           <a:p>
-            <a:endParaRPr sz="1600">
+            <a:endParaRPr sz="1600" dirty="0">
               <a:solidFill>
                 <a:schemeClr val="dk1"/>
               </a:solidFill>
             </a:endParaRPr>
           </a:p>
           <a:p>
-            <a:endParaRPr sz="1600">
+            <a:endParaRPr sz="1600" dirty="0">
               <a:solidFill>
                 <a:schemeClr val="dk1"/>
               </a:solidFill>
             </a:endParaRPr>
           </a:p>
           <a:p>
-            <a:endParaRPr sz="1600">
+            <a:endParaRPr sz="1600" dirty="0">
               <a:solidFill>
                 <a:schemeClr val="dk1"/>
               </a:solidFill>
             </a:endParaRPr>
           </a:p>
           <a:p>
-            <a:endParaRPr sz="1600">
+            <a:endParaRPr sz="1600" dirty="0">
               <a:solidFill>
                 <a:schemeClr val="dk1"/>
               </a:solidFill>
             </a:endParaRPr>
           </a:p>
           <a:p>
-            <a:endParaRPr sz="1600">
+            <a:endParaRPr sz="1600" dirty="0">
               <a:solidFill>
                 <a:schemeClr val="dk1"/>
               </a:solidFill>
             </a:endParaRPr>
           </a:p>
           <a:p>
-            <a:endParaRPr sz="1600">
+            <a:endParaRPr sz="1600" dirty="0">
               <a:solidFill>
                 <a:schemeClr val="dk1"/>
               </a:solidFill>
             </a:endParaRPr>
           </a:p>
           <a:p>
-            <a:endParaRPr sz="1600">
+            <a:endParaRPr sz="1600" dirty="0">
               <a:solidFill>
                 <a:schemeClr val="dk1"/>
               </a:solidFill>
             </a:endParaRPr>
           </a:p>
           <a:p>
-            <a:endParaRPr sz="2400"/>
+            <a:endParaRPr sz="2400" dirty="0"/>
           </a:p>
         </p:txBody>
       </p:sp>
@@ -27805,8 +27826,8 @@
         </p:nvSpPr>
         <p:spPr>
           <a:xfrm>
-            <a:off x="2204667" y="2886367"/>
-            <a:ext cx="573200" cy="450400"/>
+            <a:off x="2204666" y="2886367"/>
+            <a:ext cx="655979" cy="450400"/>
           </a:xfrm>
           <a:prstGeom prst="rect">
             <a:avLst/>
@@ -27831,10 +27852,10 @@
           <a:p>
             <a:pPr algn="ctr"/>
             <a:r>
-              <a:rPr lang="it" sz="2400"/>
+              <a:rPr lang="it" sz="2400" dirty="0"/>
               <a:t>(0)</a:t>
             </a:r>
-            <a:endParaRPr sz="2400"/>
+            <a:endParaRPr sz="2400" dirty="0"/>
           </a:p>
         </p:txBody>
       </p:sp>
@@ -27846,8 +27867,8 @@
         </p:nvSpPr>
         <p:spPr>
           <a:xfrm>
-            <a:off x="5966933" y="5174400"/>
-            <a:ext cx="573200" cy="450400"/>
+            <a:off x="5966932" y="5174400"/>
+            <a:ext cx="702315" cy="450400"/>
           </a:xfrm>
           <a:prstGeom prst="rect">
             <a:avLst/>
@@ -27872,11 +27893,11 @@
           <a:p>
             <a:pPr algn="ctr"/>
             <a:r>
-              <a:rPr lang="it" sz="2400"/>
+              <a:rPr lang="it" sz="2400" dirty="0"/>
               <a:t>(</a:t>
             </a:r>
             <a:r>
-              <a:rPr lang="it" sz="2400">
+              <a:rPr lang="it" sz="2400" dirty="0">
                 <a:solidFill>
                   <a:schemeClr val="dk1"/>
                 </a:solidFill>
@@ -27884,10 +27905,10 @@
               <a:t>∞</a:t>
             </a:r>
             <a:r>
-              <a:rPr lang="it" sz="2400"/>
+              <a:rPr lang="it" sz="2400" dirty="0"/>
               <a:t>)</a:t>
             </a:r>
-            <a:endParaRPr sz="2400"/>
+            <a:endParaRPr sz="2400" dirty="0"/>
           </a:p>
         </p:txBody>
       </p:sp>
@@ -27899,8 +27920,8 @@
         </p:nvSpPr>
         <p:spPr>
           <a:xfrm>
-            <a:off x="3824933" y="5174400"/>
-            <a:ext cx="573200" cy="450400"/>
+            <a:off x="3824932" y="5174400"/>
+            <a:ext cx="780623" cy="450400"/>
           </a:xfrm>
           <a:prstGeom prst="rect">
             <a:avLst/>
@@ -27925,10 +27946,10 @@
           <a:p>
             <a:pPr algn="ctr"/>
             <a:r>
-              <a:rPr lang="it" sz="2400" strike="sngStrike"/>
+              <a:rPr lang="it" sz="2400" strike="sngStrike" dirty="0"/>
               <a:t>(4)</a:t>
             </a:r>
-            <a:endParaRPr sz="2400" strike="sngStrike"/>
+            <a:endParaRPr sz="2400" strike="sngStrike" dirty="0"/>
           </a:p>
         </p:txBody>
       </p:sp>
@@ -27941,7 +27962,7 @@
         <p:spPr>
           <a:xfrm>
             <a:off x="5966900" y="1762433"/>
-            <a:ext cx="573200" cy="450400"/>
+            <a:ext cx="752682" cy="450400"/>
           </a:xfrm>
           <a:prstGeom prst="rect">
             <a:avLst/>
@@ -27966,10 +27987,10 @@
           <a:p>
             <a:pPr algn="ctr"/>
             <a:r>
-              <a:rPr lang="it" sz="2400"/>
+              <a:rPr lang="it" sz="2400" dirty="0"/>
               <a:t>(∞)</a:t>
             </a:r>
-            <a:endParaRPr sz="2400"/>
+            <a:endParaRPr sz="2400" dirty="0"/>
           </a:p>
         </p:txBody>
       </p:sp>
@@ -27981,8 +28002,8 @@
         </p:nvSpPr>
         <p:spPr>
           <a:xfrm>
-            <a:off x="3824933" y="1762433"/>
-            <a:ext cx="573200" cy="450400"/>
+            <a:off x="3824932" y="1762433"/>
+            <a:ext cx="646399" cy="450400"/>
           </a:xfrm>
           <a:prstGeom prst="rect">
             <a:avLst/>
@@ -28007,10 +28028,10 @@
           <a:p>
             <a:pPr algn="ctr"/>
             <a:r>
-              <a:rPr lang="it" sz="2400"/>
+              <a:rPr lang="it" sz="2400" dirty="0"/>
               <a:t>(2)</a:t>
             </a:r>
-            <a:endParaRPr sz="2400"/>
+            <a:endParaRPr sz="2400" dirty="0"/>
           </a:p>
         </p:txBody>
       </p:sp>
@@ -28022,8 +28043,8 @@
         </p:nvSpPr>
         <p:spPr>
           <a:xfrm>
-            <a:off x="7586867" y="2886367"/>
-            <a:ext cx="573200" cy="450400"/>
+            <a:off x="7586866" y="2886367"/>
+            <a:ext cx="709845" cy="450400"/>
           </a:xfrm>
           <a:prstGeom prst="rect">
             <a:avLst/>
@@ -28048,11 +28069,11 @@
           <a:p>
             <a:pPr algn="ctr"/>
             <a:r>
-              <a:rPr lang="it" sz="2400"/>
+              <a:rPr lang="it" sz="2400" dirty="0"/>
               <a:t>(</a:t>
             </a:r>
             <a:r>
-              <a:rPr lang="it" sz="2400">
+              <a:rPr lang="it" sz="2400" dirty="0">
                 <a:solidFill>
                   <a:schemeClr val="dk1"/>
                 </a:solidFill>
@@ -28060,10 +28081,10 @@
               <a:t>∞</a:t>
             </a:r>
             <a:r>
-              <a:rPr lang="it" sz="2400"/>
+              <a:rPr lang="it" sz="2400" dirty="0"/>
               <a:t>)</a:t>
             </a:r>
-            <a:endParaRPr sz="2400"/>
+            <a:endParaRPr sz="2400" dirty="0"/>
           </a:p>
         </p:txBody>
       </p:sp>
@@ -28392,7 +28413,23 @@
                   <a:schemeClr val="dk1"/>
                 </a:solidFill>
               </a:rPr>
-              <a:t>   { 2 </a:t>
+              <a:t>   </a:t>
+            </a:r>
+            <a:r>
+              <a:rPr lang="it" sz="2400" dirty="0">
+                <a:solidFill>
+                  <a:schemeClr val="dk1"/>
+                </a:solidFill>
+              </a:rPr>
+              <a:t>{</a:t>
+            </a:r>
+            <a:r>
+              <a:rPr lang="it" sz="1600" dirty="0">
+                <a:solidFill>
+                  <a:schemeClr val="dk1"/>
+                </a:solidFill>
+              </a:rPr>
+              <a:t> 2 </a:t>
             </a:r>
             <a:r>
               <a:rPr lang="it" sz="2400" dirty="0">
@@ -28522,14 +28559,6 @@
           </a:p>
           <a:p>
             <a:r>
-              <a:rPr lang="it" sz="1600" dirty="0">
-                <a:solidFill>
-                  <a:schemeClr val="dk1"/>
-                </a:solidFill>
-              </a:rPr>
-              <a:t>	</a:t>
-            </a:r>
-            <a:r>
               <a:rPr lang="it" sz="1600" u="sng" dirty="0">
                 <a:solidFill>
                   <a:schemeClr val="dk1"/>
@@ -28544,7 +28573,7 @@
             </a:endParaRPr>
           </a:p>
           <a:p>
-            <a:pPr indent="609585"/>
+            <a:pPr lvl="1"/>
             <a:r>
               <a:rPr lang="it" sz="1600" dirty="0">
                 <a:solidFill>
@@ -28582,7 +28611,7 @@
                   <a:schemeClr val="dk1"/>
                 </a:solidFill>
               </a:rPr>
-              <a:t>	  2   +      1     =  3</a:t>
+              <a:t>	     2   +      1     =  3</a:t>
             </a:r>
             <a:endParaRPr sz="1600" dirty="0">
               <a:solidFill>
@@ -28597,15 +28626,8 @@
                   <a:schemeClr val="dk1"/>
                 </a:solidFill>
               </a:rPr>
-              <a:t>	3 &lt; 4 (current distance)</a:t>
-            </a:r>
-            <a:endParaRPr sz="1600" dirty="0">
-              <a:solidFill>
-                <a:schemeClr val="dk1"/>
-              </a:solidFill>
-            </a:endParaRPr>
-          </a:p>
-          <a:p>
+              <a:t>	     3 &lt; 4 (current distance)</a:t>
+            </a:r>
             <a:endParaRPr sz="1600" dirty="0">
               <a:solidFill>
                 <a:schemeClr val="dk1"/>
@@ -28684,8 +28706,8 @@
         </p:nvSpPr>
         <p:spPr>
           <a:xfrm>
-            <a:off x="3824933" y="5537700"/>
-            <a:ext cx="573200" cy="450400"/>
+            <a:off x="3824932" y="5537700"/>
+            <a:ext cx="780623" cy="450400"/>
           </a:xfrm>
           <a:prstGeom prst="rect">
             <a:avLst/>
@@ -28710,10 +28732,10 @@
           <a:p>
             <a:pPr algn="ctr"/>
             <a:r>
-              <a:rPr lang="it" sz="2400"/>
+              <a:rPr lang="it" sz="2400" dirty="0"/>
               <a:t>(3)</a:t>
             </a:r>
-            <a:endParaRPr sz="2400"/>
+            <a:endParaRPr sz="2400" dirty="0"/>
           </a:p>
         </p:txBody>
       </p:sp>
@@ -29569,7 +29591,7 @@
         <p:spPr>
           <a:xfrm>
             <a:off x="2204667" y="2886367"/>
-            <a:ext cx="573200" cy="450400"/>
+            <a:ext cx="664368" cy="450400"/>
           </a:xfrm>
           <a:prstGeom prst="rect">
             <a:avLst/>
@@ -29594,10 +29616,10 @@
           <a:p>
             <a:pPr algn="ctr"/>
             <a:r>
-              <a:rPr lang="it" sz="2400"/>
+              <a:rPr lang="it" sz="2400" dirty="0"/>
               <a:t>(0)</a:t>
             </a:r>
-            <a:endParaRPr sz="2400"/>
+            <a:endParaRPr sz="2400" dirty="0"/>
           </a:p>
         </p:txBody>
       </p:sp>
@@ -29609,8 +29631,8 @@
         </p:nvSpPr>
         <p:spPr>
           <a:xfrm>
-            <a:off x="5966933" y="5174400"/>
-            <a:ext cx="573200" cy="450400"/>
+            <a:off x="5966932" y="5174400"/>
+            <a:ext cx="752649" cy="450400"/>
           </a:xfrm>
           <a:prstGeom prst="rect">
             <a:avLst/>
@@ -29635,11 +29657,11 @@
           <a:p>
             <a:pPr algn="ctr"/>
             <a:r>
-              <a:rPr lang="it" sz="2400"/>
+              <a:rPr lang="it" sz="2400" dirty="0"/>
               <a:t>(</a:t>
             </a:r>
             <a:r>
-              <a:rPr lang="it" sz="2400">
+              <a:rPr lang="it" sz="2400" dirty="0">
                 <a:solidFill>
                   <a:schemeClr val="dk1"/>
                 </a:solidFill>
@@ -29647,10 +29669,10 @@
               <a:t>∞</a:t>
             </a:r>
             <a:r>
-              <a:rPr lang="it" sz="2400"/>
+              <a:rPr lang="it" sz="2400" dirty="0"/>
               <a:t>)</a:t>
             </a:r>
-            <a:endParaRPr sz="2400"/>
+            <a:endParaRPr sz="2400" dirty="0"/>
           </a:p>
         </p:txBody>
       </p:sp>
@@ -29662,8 +29684,8 @@
         </p:nvSpPr>
         <p:spPr>
           <a:xfrm>
-            <a:off x="5966900" y="1762433"/>
-            <a:ext cx="573200" cy="450400"/>
+            <a:off x="5924954" y="1779211"/>
+            <a:ext cx="744293" cy="450400"/>
           </a:xfrm>
           <a:prstGeom prst="rect">
             <a:avLst/>
@@ -29688,10 +29710,10 @@
           <a:p>
             <a:pPr algn="ctr"/>
             <a:r>
-              <a:rPr lang="it" sz="2400" strike="sngStrike"/>
+              <a:rPr lang="it" sz="2400" strike="sngStrike" dirty="0"/>
               <a:t>(∞)</a:t>
             </a:r>
-            <a:endParaRPr sz="2400" strike="sngStrike"/>
+            <a:endParaRPr sz="2400" strike="sngStrike" dirty="0"/>
           </a:p>
         </p:txBody>
       </p:sp>
@@ -29704,7 +29726,7 @@
         <p:spPr>
           <a:xfrm>
             <a:off x="3824933" y="1762433"/>
-            <a:ext cx="573200" cy="450400"/>
+            <a:ext cx="654788" cy="450400"/>
           </a:xfrm>
           <a:prstGeom prst="rect">
             <a:avLst/>
@@ -29729,10 +29751,10 @@
           <a:p>
             <a:pPr algn="ctr"/>
             <a:r>
-              <a:rPr lang="it" sz="2400"/>
+              <a:rPr lang="it" sz="2400" dirty="0"/>
               <a:t>(2)</a:t>
             </a:r>
-            <a:endParaRPr sz="2400"/>
+            <a:endParaRPr sz="2400" dirty="0"/>
           </a:p>
         </p:txBody>
       </p:sp>
@@ -29745,7 +29767,7 @@
         <p:spPr>
           <a:xfrm>
             <a:off x="7586867" y="2886367"/>
-            <a:ext cx="573200" cy="450400"/>
+            <a:ext cx="751790" cy="450400"/>
           </a:xfrm>
           <a:prstGeom prst="rect">
             <a:avLst/>
@@ -29770,11 +29792,11 @@
           <a:p>
             <a:pPr algn="ctr"/>
             <a:r>
-              <a:rPr lang="it" sz="2400"/>
+              <a:rPr lang="it" sz="2400" dirty="0"/>
               <a:t>(</a:t>
             </a:r>
             <a:r>
-              <a:rPr lang="it" sz="2400">
+              <a:rPr lang="it" sz="2400" dirty="0">
                 <a:solidFill>
                   <a:schemeClr val="dk1"/>
                 </a:solidFill>
@@ -29782,10 +29804,10 @@
               <a:t>∞</a:t>
             </a:r>
             <a:r>
-              <a:rPr lang="it" sz="2400"/>
+              <a:rPr lang="it" sz="2400" dirty="0"/>
               <a:t>)</a:t>
             </a:r>
-            <a:endParaRPr sz="2400"/>
+            <a:endParaRPr sz="2400" dirty="0"/>
           </a:p>
         </p:txBody>
       </p:sp>
@@ -30069,7 +30091,7 @@
         </p:nvSpPr>
         <p:spPr>
           <a:xfrm>
-            <a:off x="8630133" y="1762433"/>
+            <a:off x="8630133" y="1594653"/>
             <a:ext cx="3241200" cy="4906000"/>
           </a:xfrm>
           <a:prstGeom prst="rect">
@@ -30341,7 +30363,7 @@
         <p:spPr>
           <a:xfrm>
             <a:off x="3824933" y="5204767"/>
-            <a:ext cx="573200" cy="450400"/>
+            <a:ext cx="688344" cy="450400"/>
           </a:xfrm>
           <a:prstGeom prst="rect">
             <a:avLst/>
@@ -30366,10 +30388,10 @@
           <a:p>
             <a:pPr algn="ctr"/>
             <a:r>
-              <a:rPr lang="it" sz="2400"/>
+              <a:rPr lang="it" sz="2400" dirty="0"/>
               <a:t>(3)</a:t>
             </a:r>
-            <a:endParaRPr sz="2400"/>
+            <a:endParaRPr sz="2400" dirty="0"/>
           </a:p>
         </p:txBody>
       </p:sp>
@@ -30381,8 +30403,8 @@
         </p:nvSpPr>
         <p:spPr>
           <a:xfrm>
-            <a:off x="5966900" y="1454800"/>
-            <a:ext cx="573200" cy="450400"/>
+            <a:off x="5966899" y="1454800"/>
+            <a:ext cx="643625" cy="450400"/>
           </a:xfrm>
           <a:prstGeom prst="rect">
             <a:avLst/>
@@ -30407,10 +30429,10 @@
           <a:p>
             <a:pPr algn="ctr"/>
             <a:r>
-              <a:rPr lang="it" sz="2400"/>
+              <a:rPr lang="it" sz="2400" dirty="0"/>
               <a:t>(9)</a:t>
             </a:r>
-            <a:endParaRPr sz="2400"/>
+            <a:endParaRPr sz="2400" dirty="0"/>
           </a:p>
         </p:txBody>
       </p:sp>
@@ -31273,8 +31295,8 @@
         </p:nvSpPr>
         <p:spPr>
           <a:xfrm>
-            <a:off x="2204667" y="2886367"/>
-            <a:ext cx="573200" cy="450400"/>
+            <a:off x="2122415" y="2886367"/>
+            <a:ext cx="655452" cy="450400"/>
           </a:xfrm>
           <a:prstGeom prst="rect">
             <a:avLst/>
@@ -31299,10 +31321,10 @@
           <a:p>
             <a:pPr algn="ctr"/>
             <a:r>
-              <a:rPr lang="it" sz="2400"/>
+              <a:rPr lang="it" sz="2400" dirty="0"/>
               <a:t>(0)</a:t>
             </a:r>
-            <a:endParaRPr sz="2400"/>
+            <a:endParaRPr sz="2400" dirty="0"/>
           </a:p>
         </p:txBody>
       </p:sp>
@@ -31314,8 +31336,8 @@
         </p:nvSpPr>
         <p:spPr>
           <a:xfrm>
-            <a:off x="5966933" y="5174400"/>
-            <a:ext cx="573200" cy="450400"/>
+            <a:off x="5939406" y="5216345"/>
+            <a:ext cx="693006" cy="450400"/>
           </a:xfrm>
           <a:prstGeom prst="rect">
             <a:avLst/>
@@ -31340,11 +31362,11 @@
           <a:p>
             <a:pPr algn="ctr"/>
             <a:r>
-              <a:rPr lang="it" sz="2400"/>
+              <a:rPr lang="it" sz="2400" dirty="0"/>
               <a:t>(</a:t>
             </a:r>
             <a:r>
-              <a:rPr lang="it" sz="2400">
+              <a:rPr lang="it" sz="2400" dirty="0">
                 <a:solidFill>
                   <a:schemeClr val="dk1"/>
                 </a:solidFill>
@@ -31352,10 +31374,10 @@
               <a:t>∞</a:t>
             </a:r>
             <a:r>
-              <a:rPr lang="it" sz="2400"/>
+              <a:rPr lang="it" sz="2400" dirty="0"/>
               <a:t>)</a:t>
             </a:r>
-            <a:endParaRPr sz="2400"/>
+            <a:endParaRPr sz="2400" dirty="0"/>
           </a:p>
         </p:txBody>
       </p:sp>
@@ -31367,8 +31389,8 @@
         </p:nvSpPr>
         <p:spPr>
           <a:xfrm>
-            <a:off x="5966933" y="1762433"/>
-            <a:ext cx="573200" cy="450400"/>
+            <a:off x="5855516" y="1762433"/>
+            <a:ext cx="684617" cy="450400"/>
           </a:xfrm>
           <a:prstGeom prst="rect">
             <a:avLst/>
@@ -31393,10 +31415,10 @@
           <a:p>
             <a:pPr algn="ctr"/>
             <a:r>
-              <a:rPr lang="it" sz="2400"/>
+              <a:rPr lang="it" sz="2400" dirty="0"/>
               <a:t>(9)</a:t>
             </a:r>
-            <a:endParaRPr sz="2400"/>
+            <a:endParaRPr sz="2400" dirty="0"/>
           </a:p>
         </p:txBody>
       </p:sp>
@@ -31408,8 +31430,8 @@
         </p:nvSpPr>
         <p:spPr>
           <a:xfrm>
-            <a:off x="3824933" y="1762433"/>
-            <a:ext cx="573200" cy="450400"/>
+            <a:off x="3800213" y="1762433"/>
+            <a:ext cx="597920" cy="450400"/>
           </a:xfrm>
           <a:prstGeom prst="rect">
             <a:avLst/>
@@ -31434,10 +31456,10 @@
           <a:p>
             <a:pPr algn="ctr"/>
             <a:r>
-              <a:rPr lang="it" sz="2400"/>
+              <a:rPr lang="it" sz="2400" dirty="0"/>
               <a:t>(2)</a:t>
             </a:r>
-            <a:endParaRPr sz="2400"/>
+            <a:endParaRPr sz="2400" dirty="0"/>
           </a:p>
         </p:txBody>
       </p:sp>
@@ -31449,8 +31471,8 @@
         </p:nvSpPr>
         <p:spPr>
           <a:xfrm>
-            <a:off x="7586867" y="2886367"/>
-            <a:ext cx="573200" cy="450400"/>
+            <a:off x="7508147" y="2886367"/>
+            <a:ext cx="710643" cy="450400"/>
           </a:xfrm>
           <a:prstGeom prst="rect">
             <a:avLst/>
@@ -31475,11 +31497,11 @@
           <a:p>
             <a:pPr algn="ctr"/>
             <a:r>
-              <a:rPr lang="it" sz="2400"/>
+              <a:rPr lang="it" sz="2400" dirty="0"/>
               <a:t>(</a:t>
             </a:r>
             <a:r>
-              <a:rPr lang="it" sz="2400">
+              <a:rPr lang="it" sz="2400" dirty="0">
                 <a:solidFill>
                   <a:schemeClr val="dk1"/>
                 </a:solidFill>
@@ -31487,10 +31509,10 @@
               <a:t>∞</a:t>
             </a:r>
             <a:r>
-              <a:rPr lang="it" sz="2400"/>
+              <a:rPr lang="it" sz="2400" dirty="0"/>
               <a:t>)</a:t>
             </a:r>
-            <a:endParaRPr sz="2400"/>
+            <a:endParaRPr sz="2400" dirty="0"/>
           </a:p>
         </p:txBody>
       </p:sp>
@@ -32049,8 +32071,8 @@
         </p:nvSpPr>
         <p:spPr>
           <a:xfrm>
-            <a:off x="3824933" y="5204767"/>
-            <a:ext cx="573200" cy="450400"/>
+            <a:off x="3749879" y="5204767"/>
+            <a:ext cx="648254" cy="450400"/>
           </a:xfrm>
           <a:prstGeom prst="rect">
             <a:avLst/>
@@ -32075,10 +32097,10 @@
           <a:p>
             <a:pPr algn="ctr"/>
             <a:r>
-              <a:rPr lang="it" sz="2400"/>
+              <a:rPr lang="it" sz="2400" dirty="0"/>
               <a:t>(3)</a:t>
             </a:r>
-            <a:endParaRPr sz="2400"/>
+            <a:endParaRPr sz="2400" dirty="0"/>
           </a:p>
         </p:txBody>
       </p:sp>
@@ -32956,8 +32978,8 @@
         </p:nvSpPr>
         <p:spPr>
           <a:xfrm>
-            <a:off x="2204667" y="2886367"/>
-            <a:ext cx="573200" cy="450400"/>
+            <a:off x="2105637" y="2886367"/>
+            <a:ext cx="672230" cy="450400"/>
           </a:xfrm>
           <a:prstGeom prst="rect">
             <a:avLst/>
@@ -32982,10 +33004,10 @@
           <a:p>
             <a:pPr algn="ctr"/>
             <a:r>
-              <a:rPr lang="it" sz="2400"/>
+              <a:rPr lang="it" sz="2400" dirty="0"/>
               <a:t>(0)</a:t>
             </a:r>
-            <a:endParaRPr sz="2400"/>
+            <a:endParaRPr sz="2400" dirty="0"/>
           </a:p>
         </p:txBody>
       </p:sp>
@@ -32997,8 +33019,8 @@
         </p:nvSpPr>
         <p:spPr>
           <a:xfrm>
-            <a:off x="5966933" y="5174400"/>
-            <a:ext cx="573200" cy="450400"/>
+            <a:off x="5914239" y="5174400"/>
+            <a:ext cx="696286" cy="450400"/>
           </a:xfrm>
           <a:prstGeom prst="rect">
             <a:avLst/>
@@ -33023,11 +33045,11 @@
           <a:p>
             <a:pPr algn="ctr"/>
             <a:r>
-              <a:rPr lang="it" sz="2400" strike="sngStrike"/>
+              <a:rPr lang="it" sz="2400" strike="sngStrike" dirty="0"/>
               <a:t>(</a:t>
             </a:r>
             <a:r>
-              <a:rPr lang="it" sz="2400" strike="sngStrike">
+              <a:rPr lang="it" sz="2400" strike="sngStrike" dirty="0">
                 <a:solidFill>
                   <a:schemeClr val="dk1"/>
                 </a:solidFill>
@@ -33035,10 +33057,10 @@
               <a:t>∞</a:t>
             </a:r>
             <a:r>
-              <a:rPr lang="it" sz="2400" strike="sngStrike"/>
+              <a:rPr lang="it" sz="2400" strike="sngStrike" dirty="0"/>
               <a:t>)</a:t>
             </a:r>
-            <a:endParaRPr sz="2400" strike="sngStrike"/>
+            <a:endParaRPr sz="2400" strike="sngStrike" dirty="0"/>
           </a:p>
         </p:txBody>
       </p:sp>
@@ -33050,8 +33072,8 @@
         </p:nvSpPr>
         <p:spPr>
           <a:xfrm>
-            <a:off x="5966933" y="1762433"/>
-            <a:ext cx="573200" cy="450400"/>
+            <a:off x="5905850" y="1762433"/>
+            <a:ext cx="634283" cy="450400"/>
           </a:xfrm>
           <a:prstGeom prst="rect">
             <a:avLst/>
@@ -33076,10 +33098,10 @@
           <a:p>
             <a:pPr algn="ctr"/>
             <a:r>
-              <a:rPr lang="it" sz="2400"/>
+              <a:rPr lang="it" sz="2400" dirty="0"/>
               <a:t>(9)</a:t>
             </a:r>
-            <a:endParaRPr sz="2400"/>
+            <a:endParaRPr sz="2400" dirty="0"/>
           </a:p>
         </p:txBody>
       </p:sp>
@@ -33091,8 +33113,8 @@
         </p:nvSpPr>
         <p:spPr>
           <a:xfrm>
-            <a:off x="3824933" y="1762433"/>
-            <a:ext cx="573200" cy="450400"/>
+            <a:off x="3749879" y="1762433"/>
+            <a:ext cx="648254" cy="450400"/>
           </a:xfrm>
           <a:prstGeom prst="rect">
             <a:avLst/>
@@ -33117,10 +33139,10 @@
           <a:p>
             <a:pPr algn="ctr"/>
             <a:r>
-              <a:rPr lang="it" sz="2400"/>
+              <a:rPr lang="it" sz="2400" dirty="0"/>
               <a:t>(2)</a:t>
             </a:r>
-            <a:endParaRPr sz="2400"/>
+            <a:endParaRPr sz="2400" dirty="0"/>
           </a:p>
         </p:txBody>
       </p:sp>
@@ -33132,8 +33154,8 @@
         </p:nvSpPr>
         <p:spPr>
           <a:xfrm>
-            <a:off x="7586867" y="2886367"/>
-            <a:ext cx="573200" cy="450400"/>
+            <a:off x="7474591" y="2886367"/>
+            <a:ext cx="746620" cy="450400"/>
           </a:xfrm>
           <a:prstGeom prst="rect">
             <a:avLst/>
@@ -33158,11 +33180,11 @@
           <a:p>
             <a:pPr algn="ctr"/>
             <a:r>
-              <a:rPr lang="it" sz="2400"/>
+              <a:rPr lang="it" sz="2400" dirty="0"/>
               <a:t>(</a:t>
             </a:r>
             <a:r>
-              <a:rPr lang="it" sz="2400">
+              <a:rPr lang="it" sz="2400" dirty="0">
                 <a:solidFill>
                   <a:schemeClr val="dk1"/>
                 </a:solidFill>
@@ -33170,10 +33192,10 @@
               <a:t>∞</a:t>
             </a:r>
             <a:r>
-              <a:rPr lang="it" sz="2400"/>
+              <a:rPr lang="it" sz="2400" dirty="0"/>
               <a:t>)</a:t>
             </a:r>
-            <a:endParaRPr sz="2400"/>
+            <a:endParaRPr sz="2400" dirty="0"/>
           </a:p>
         </p:txBody>
       </p:sp>
@@ -33585,21 +33607,15 @@
               </a:rPr>
               <a:t>             3    +     3    =  6	</a:t>
             </a:r>
-            <a:endParaRPr sz="1600" dirty="0">
-              <a:solidFill>
-                <a:schemeClr val="dk1"/>
-              </a:solidFill>
-            </a:endParaRPr>
-          </a:p>
-          <a:p>
-            <a:pPr marL="1219170" indent="609585"/>
+          </a:p>
+          <a:p>
             <a:r>
               <a:rPr lang="it" sz="1600" dirty="0">
                 <a:solidFill>
                   <a:schemeClr val="dk1"/>
                 </a:solidFill>
               </a:rPr>
-              <a:t>    6 &lt; ∞</a:t>
+              <a:t>	                 6 &lt; ∞</a:t>
             </a:r>
             <a:endParaRPr sz="1600" dirty="0">
               <a:solidFill>
@@ -33700,8 +33716,8 @@
         </p:nvSpPr>
         <p:spPr>
           <a:xfrm>
-            <a:off x="3824933" y="5204767"/>
-            <a:ext cx="573200" cy="450400"/>
+            <a:off x="3749879" y="5204767"/>
+            <a:ext cx="648254" cy="450400"/>
           </a:xfrm>
           <a:prstGeom prst="rect">
             <a:avLst/>
@@ -33726,10 +33742,10 @@
           <a:p>
             <a:pPr algn="ctr"/>
             <a:r>
-              <a:rPr lang="it" sz="2400"/>
+              <a:rPr lang="it" sz="2400" dirty="0"/>
               <a:t>(3)</a:t>
             </a:r>
-            <a:endParaRPr sz="2400"/>
+            <a:endParaRPr sz="2400" dirty="0"/>
           </a:p>
         </p:txBody>
       </p:sp>
@@ -33741,8 +33757,8 @@
         </p:nvSpPr>
         <p:spPr>
           <a:xfrm>
-            <a:off x="5966900" y="5509533"/>
-            <a:ext cx="573200" cy="450400"/>
+            <a:off x="5922627" y="5509533"/>
+            <a:ext cx="687897" cy="450400"/>
           </a:xfrm>
           <a:prstGeom prst="rect">
             <a:avLst/>
@@ -33767,11 +33783,11 @@
           <a:p>
             <a:pPr algn="ctr"/>
             <a:r>
-              <a:rPr lang="it" sz="2400"/>
+              <a:rPr lang="it" sz="2400" dirty="0"/>
               <a:t>(</a:t>
             </a:r>
             <a:r>
-              <a:rPr lang="it" sz="2400">
+              <a:rPr lang="it" sz="2400" dirty="0">
                 <a:solidFill>
                   <a:schemeClr val="dk1"/>
                 </a:solidFill>
@@ -33779,10 +33795,10 @@
               <a:t>6</a:t>
             </a:r>
             <a:r>
-              <a:rPr lang="it" sz="2400"/>
+              <a:rPr lang="it" sz="2400" dirty="0"/>
               <a:t>)</a:t>
             </a:r>
-            <a:endParaRPr sz="2400"/>
+            <a:endParaRPr sz="2400" dirty="0"/>
           </a:p>
         </p:txBody>
       </p:sp>
@@ -34653,8 +34669,8 @@
         </p:nvSpPr>
         <p:spPr>
           <a:xfrm>
-            <a:off x="2204667" y="2886367"/>
-            <a:ext cx="573200" cy="450400"/>
+            <a:off x="2114026" y="2886367"/>
+            <a:ext cx="663841" cy="450400"/>
           </a:xfrm>
           <a:prstGeom prst="rect">
             <a:avLst/>
@@ -34679,10 +34695,10 @@
           <a:p>
             <a:pPr algn="ctr"/>
             <a:r>
-              <a:rPr lang="it" sz="2400"/>
+              <a:rPr lang="it" sz="2400" dirty="0"/>
               <a:t>(0)</a:t>
             </a:r>
-            <a:endParaRPr sz="2400"/>
+            <a:endParaRPr sz="2400" dirty="0"/>
           </a:p>
         </p:txBody>
       </p:sp>
@@ -34694,8 +34710,8 @@
         </p:nvSpPr>
         <p:spPr>
           <a:xfrm>
-            <a:off x="5966933" y="1762433"/>
-            <a:ext cx="573200" cy="450400"/>
+            <a:off x="5872294" y="1762433"/>
+            <a:ext cx="667839" cy="450400"/>
           </a:xfrm>
           <a:prstGeom prst="rect">
             <a:avLst/>
@@ -34720,10 +34736,10 @@
           <a:p>
             <a:pPr algn="ctr"/>
             <a:r>
-              <a:rPr lang="it" sz="2400"/>
+              <a:rPr lang="it" sz="2400" dirty="0"/>
               <a:t>(9)</a:t>
             </a:r>
-            <a:endParaRPr sz="2400"/>
+            <a:endParaRPr sz="2400" dirty="0"/>
           </a:p>
         </p:txBody>
       </p:sp>
@@ -34735,8 +34751,8 @@
         </p:nvSpPr>
         <p:spPr>
           <a:xfrm>
-            <a:off x="3824933" y="1762433"/>
-            <a:ext cx="573200" cy="450400"/>
+            <a:off x="3766657" y="1762433"/>
+            <a:ext cx="631476" cy="450400"/>
           </a:xfrm>
           <a:prstGeom prst="rect">
             <a:avLst/>
@@ -34761,10 +34777,10 @@
           <a:p>
             <a:pPr algn="ctr"/>
             <a:r>
-              <a:rPr lang="it" sz="2400"/>
+              <a:rPr lang="it" sz="2400" dirty="0"/>
               <a:t>(2)</a:t>
             </a:r>
-            <a:endParaRPr sz="2400"/>
+            <a:endParaRPr sz="2400" dirty="0"/>
           </a:p>
         </p:txBody>
       </p:sp>
@@ -34776,8 +34792,8 @@
         </p:nvSpPr>
         <p:spPr>
           <a:xfrm>
-            <a:off x="7586867" y="2886367"/>
-            <a:ext cx="573200" cy="450400"/>
+            <a:off x="7474591" y="2886367"/>
+            <a:ext cx="763398" cy="450400"/>
           </a:xfrm>
           <a:prstGeom prst="rect">
             <a:avLst/>
@@ -34802,11 +34818,11 @@
           <a:p>
             <a:pPr algn="ctr"/>
             <a:r>
-              <a:rPr lang="it" sz="2400"/>
+              <a:rPr lang="it" sz="2400" dirty="0"/>
               <a:t>(</a:t>
             </a:r>
             <a:r>
-              <a:rPr lang="it" sz="2400">
+              <a:rPr lang="it" sz="2400" dirty="0">
                 <a:solidFill>
                   <a:schemeClr val="dk1"/>
                 </a:solidFill>
@@ -34814,10 +34830,10 @@
               <a:t>∞</a:t>
             </a:r>
             <a:r>
-              <a:rPr lang="it" sz="2400"/>
+              <a:rPr lang="it" sz="2400" dirty="0"/>
               <a:t>)</a:t>
             </a:r>
-            <a:endParaRPr sz="2400"/>
+            <a:endParaRPr sz="2400" dirty="0"/>
           </a:p>
         </p:txBody>
       </p:sp>
@@ -35101,7 +35117,7 @@
         </p:nvSpPr>
         <p:spPr>
           <a:xfrm>
-            <a:off x="8630133" y="3981000"/>
+            <a:off x="8655300" y="3267935"/>
             <a:ext cx="3241200" cy="2687600"/>
           </a:xfrm>
           <a:prstGeom prst="rect">
@@ -35125,7 +35141,7 @@
           </a:bodyPr>
           <a:lstStyle/>
           <a:p>
-            <a:endParaRPr sz="1600">
+            <a:endParaRPr sz="1600" dirty="0">
               <a:solidFill>
                 <a:schemeClr val="dk1"/>
               </a:solidFill>
@@ -35133,21 +35149,21 @@
           </a:p>
           <a:p>
             <a:r>
-              <a:rPr lang="it" sz="1600">
+              <a:rPr lang="it" sz="1600" dirty="0">
                 <a:solidFill>
                   <a:schemeClr val="dk1"/>
                 </a:solidFill>
               </a:rPr>
               <a:t>Set-included = { A, B, C }</a:t>
             </a:r>
-            <a:endParaRPr sz="1600">
+            <a:endParaRPr sz="1600" dirty="0">
               <a:solidFill>
                 <a:schemeClr val="dk1"/>
               </a:solidFill>
             </a:endParaRPr>
           </a:p>
           <a:p>
-            <a:endParaRPr sz="1600">
+            <a:endParaRPr sz="1600" dirty="0">
               <a:solidFill>
                 <a:schemeClr val="dk1"/>
               </a:solidFill>
@@ -35155,7 +35171,7 @@
           </a:p>
           <a:p>
             <a:r>
-              <a:rPr lang="it" sz="1600">
+              <a:rPr lang="it" sz="1600" dirty="0">
                 <a:solidFill>
                   <a:schemeClr val="dk1"/>
                 </a:solidFill>
@@ -35163,35 +35179,35 @@
               <a:t>Shortest Path?  6 &lt; 9 &lt; </a:t>
             </a:r>
             <a:r>
-              <a:rPr lang="it" sz="2400">
+              <a:rPr lang="it" sz="2400" dirty="0">
                 <a:solidFill>
                   <a:schemeClr val="dk1"/>
                 </a:solidFill>
               </a:rPr>
               <a:t>∞</a:t>
             </a:r>
-            <a:endParaRPr sz="2400">
+            <a:endParaRPr sz="2400" dirty="0">
               <a:solidFill>
                 <a:schemeClr val="dk1"/>
               </a:solidFill>
             </a:endParaRPr>
           </a:p>
           <a:p>
-            <a:endParaRPr sz="2400">
+            <a:endParaRPr sz="2400" dirty="0">
               <a:solidFill>
                 <a:schemeClr val="dk1"/>
               </a:solidFill>
             </a:endParaRPr>
           </a:p>
           <a:p>
-            <a:endParaRPr sz="2400">
+            <a:endParaRPr sz="2400" dirty="0">
               <a:solidFill>
                 <a:schemeClr val="dk1"/>
               </a:solidFill>
             </a:endParaRPr>
           </a:p>
           <a:p>
-            <a:endParaRPr sz="2400">
+            <a:endParaRPr sz="2400" dirty="0">
               <a:solidFill>
                 <a:schemeClr val="dk1"/>
               </a:solidFill>
@@ -35199,7 +35215,7 @@
           </a:p>
           <a:p>
             <a:r>
-              <a:rPr lang="it" sz="2400">
+              <a:rPr lang="it" sz="2400" dirty="0">
                 <a:solidFill>
                   <a:schemeClr val="dk1"/>
                 </a:solidFill>
@@ -35207,77 +35223,77 @@
               <a:t>Vertex </a:t>
             </a:r>
             <a:r>
-              <a:rPr lang="it" sz="2400" b="1">
+              <a:rPr lang="it" sz="2400" b="1" dirty="0">
                 <a:solidFill>
                   <a:schemeClr val="dk1"/>
                 </a:solidFill>
               </a:rPr>
               <a:t>E</a:t>
             </a:r>
-            <a:endParaRPr sz="2400" b="1">
+            <a:endParaRPr sz="2400" b="1" dirty="0">
               <a:solidFill>
                 <a:schemeClr val="dk1"/>
               </a:solidFill>
             </a:endParaRPr>
           </a:p>
           <a:p>
-            <a:endParaRPr sz="2400">
+            <a:endParaRPr sz="2400" dirty="0">
               <a:solidFill>
                 <a:schemeClr val="dk1"/>
               </a:solidFill>
             </a:endParaRPr>
           </a:p>
           <a:p>
-            <a:endParaRPr sz="2400">
+            <a:endParaRPr sz="2400" dirty="0">
               <a:solidFill>
                 <a:schemeClr val="dk1"/>
               </a:solidFill>
             </a:endParaRPr>
           </a:p>
           <a:p>
-            <a:endParaRPr sz="1600">
+            <a:endParaRPr sz="1600" dirty="0">
               <a:solidFill>
                 <a:schemeClr val="dk1"/>
               </a:solidFill>
             </a:endParaRPr>
           </a:p>
           <a:p>
-            <a:endParaRPr sz="1600">
+            <a:endParaRPr sz="1600" dirty="0">
               <a:solidFill>
                 <a:schemeClr val="dk1"/>
               </a:solidFill>
             </a:endParaRPr>
           </a:p>
           <a:p>
-            <a:endParaRPr sz="1600">
+            <a:endParaRPr sz="1600" dirty="0">
               <a:solidFill>
                 <a:schemeClr val="dk1"/>
               </a:solidFill>
             </a:endParaRPr>
           </a:p>
           <a:p>
-            <a:endParaRPr sz="1600">
+            <a:endParaRPr sz="1600" dirty="0">
               <a:solidFill>
                 <a:schemeClr val="dk1"/>
               </a:solidFill>
             </a:endParaRPr>
           </a:p>
           <a:p>
-            <a:endParaRPr sz="1600">
+            <a:endParaRPr sz="1600" dirty="0">
               <a:solidFill>
                 <a:schemeClr val="dk1"/>
               </a:solidFill>
             </a:endParaRPr>
           </a:p>
           <a:p>
-            <a:endParaRPr sz="1600">
+            <a:endParaRPr sz="1600" dirty="0">
               <a:solidFill>
                 <a:schemeClr val="dk1"/>
               </a:solidFill>
             </a:endParaRPr>
           </a:p>
           <a:p>
-            <a:endParaRPr sz="2400"/>
+            <a:endParaRPr sz="2400" dirty="0"/>
           </a:p>
         </p:txBody>
       </p:sp>
@@ -35289,8 +35305,8 @@
         </p:nvSpPr>
         <p:spPr>
           <a:xfrm>
-            <a:off x="3824933" y="5204767"/>
-            <a:ext cx="573200" cy="450400"/>
+            <a:off x="3674378" y="5204767"/>
+            <a:ext cx="723755" cy="450400"/>
           </a:xfrm>
           <a:prstGeom prst="rect">
             <a:avLst/>
@@ -35315,10 +35331,10 @@
           <a:p>
             <a:pPr algn="ctr"/>
             <a:r>
-              <a:rPr lang="it" sz="2400"/>
+              <a:rPr lang="it" sz="2400" dirty="0"/>
               <a:t>(3)</a:t>
             </a:r>
-            <a:endParaRPr sz="2400"/>
+            <a:endParaRPr sz="2400" dirty="0"/>
           </a:p>
         </p:txBody>
       </p:sp>
@@ -35330,8 +35346,8 @@
         </p:nvSpPr>
         <p:spPr>
           <a:xfrm>
-            <a:off x="5966900" y="5204767"/>
-            <a:ext cx="573200" cy="450400"/>
+            <a:off x="5863905" y="5204767"/>
+            <a:ext cx="676195" cy="450400"/>
           </a:xfrm>
           <a:prstGeom prst="rect">
             <a:avLst/>
@@ -35356,11 +35372,11 @@
           <a:p>
             <a:pPr algn="ctr"/>
             <a:r>
-              <a:rPr lang="it" sz="2400"/>
+              <a:rPr lang="it" sz="2400" dirty="0"/>
               <a:t>(</a:t>
             </a:r>
             <a:r>
-              <a:rPr lang="it" sz="2400">
+              <a:rPr lang="it" sz="2400" dirty="0">
                 <a:solidFill>
                   <a:schemeClr val="dk1"/>
                 </a:solidFill>
@@ -35368,10 +35384,10 @@
               <a:t>6</a:t>
             </a:r>
             <a:r>
-              <a:rPr lang="it" sz="2400"/>
+              <a:rPr lang="it" sz="2400" dirty="0"/>
               <a:t>)</a:t>
             </a:r>
-            <a:endParaRPr sz="2400"/>
+            <a:endParaRPr sz="2400" dirty="0"/>
           </a:p>
         </p:txBody>
       </p:sp>
